--- a/Poster.pptx
+++ b/Poster.pptx
@@ -4656,8 +4656,8 @@
         </p:nvSpPr>
         <p:spPr bwMode="auto">
           <a:xfrm>
-            <a:off x="10972800" y="8476923"/>
-            <a:ext cx="7315200" cy="668494"/>
+            <a:off x="23115411" y="14413355"/>
+            <a:ext cx="8991429" cy="6814344"/>
           </a:xfrm>
           <a:prstGeom prst="rect">
             <a:avLst/>
@@ -4807,18 +4807,13 @@
               </a:lnSpc>
             </a:pPr>
             <a:r>
-              <a:rPr lang="en-US" sz="3600" dirty="0">
+              <a:rPr lang="en-US" sz="4000" dirty="0">
                 <a:latin typeface="Times New Roman" panose="02020603050405020304" pitchFamily="18" charset="0"/>
                 <a:ea typeface="Open Sans" panose="020B0606030504020204" pitchFamily="34" charset="0"/>
                 <a:cs typeface="Times New Roman" panose="02020603050405020304" pitchFamily="18" charset="0"/>
               </a:rPr>
-              <a:t>What did the final models look like?</a:t>
-            </a:r>
-            <a:endParaRPr lang="en-US" sz="2800" dirty="0">
-              <a:latin typeface="Times New Roman" panose="02020603050405020304" pitchFamily="18" charset="0"/>
-              <a:ea typeface="Open Sans" panose="020B0606030504020204" pitchFamily="34" charset="0"/>
-              <a:cs typeface="Times New Roman" panose="02020603050405020304" pitchFamily="18" charset="0"/>
-            </a:endParaRPr>
+              <a:t>The final models, shown visually here as posterior predictive checks, weigh polls already corrected for bias. The distributions as a result of the hierarchal modeling can reconcile some of the differences between polled opinion and eventual vote share by using parameter values obtained from modeling a total of 953 independent general election races since 2000.</a:t>
+            </a:r>
           </a:p>
         </p:txBody>
       </p:sp>
@@ -4838,8 +4833,8 @@
         </p:nvSpPr>
         <p:spPr bwMode="auto">
           <a:xfrm>
-            <a:off x="10972800" y="6950844"/>
-            <a:ext cx="21869400" cy="860010"/>
+            <a:off x="11869511" y="6913821"/>
+            <a:ext cx="20152178" cy="884719"/>
           </a:xfrm>
           <a:prstGeom prst="rect">
             <a:avLst/>
@@ -4892,7 +4887,7 @@
         <p:spPr bwMode="auto">
           <a:xfrm>
             <a:off x="33680400" y="8359828"/>
-            <a:ext cx="9601200" cy="476455"/>
+            <a:ext cx="9601200" cy="4386563"/>
           </a:xfrm>
           <a:prstGeom prst="rect">
             <a:avLst/>
@@ -5042,12 +5037,39 @@
               </a:lnSpc>
             </a:pPr>
             <a:r>
-              <a:rPr lang="en-US" sz="2400">
-                <a:latin typeface="Open Sans" panose="020B0606030504020204" pitchFamily="34" charset="0"/>
+              <a:rPr lang="en-US" sz="3200" dirty="0">
+                <a:latin typeface="Times New Roman" panose="02020603050405020304" pitchFamily="18" charset="0"/>
                 <a:ea typeface="Open Sans" panose="020B0606030504020204" pitchFamily="34" charset="0"/>
-                <a:cs typeface="Open Sans" panose="020B0606030504020204" pitchFamily="34" charset="0"/>
+                <a:cs typeface="Times New Roman" panose="02020603050405020304" pitchFamily="18" charset="0"/>
               </a:rPr>
-              <a:t>Add your information, graphs and images to this section.</a:t>
+              <a:t>Bias and accuracy varies by pollster and polling methods, and to what extent can be understood with a Bayesian hierarchical modeling process. </a:t>
+            </a:r>
+          </a:p>
+          <a:p>
+            <a:pPr algn="just">
+              <a:lnSpc>
+                <a:spcPct val="110000"/>
+              </a:lnSpc>
+            </a:pPr>
+            <a:endParaRPr lang="en-US" sz="3200" dirty="0">
+              <a:latin typeface="Times New Roman" panose="02020603050405020304" pitchFamily="18" charset="0"/>
+              <a:ea typeface="Open Sans" panose="020B0606030504020204" pitchFamily="34" charset="0"/>
+              <a:cs typeface="Times New Roman" panose="02020603050405020304" pitchFamily="18" charset="0"/>
+            </a:endParaRPr>
+          </a:p>
+          <a:p>
+            <a:pPr algn="just">
+              <a:lnSpc>
+                <a:spcPct val="110000"/>
+              </a:lnSpc>
+            </a:pPr>
+            <a:r>
+              <a:rPr lang="en-US" sz="3200" dirty="0">
+                <a:latin typeface="Times New Roman" panose="02020603050405020304" pitchFamily="18" charset="0"/>
+                <a:ea typeface="Open Sans" panose="020B0606030504020204" pitchFamily="34" charset="0"/>
+                <a:cs typeface="Times New Roman" panose="02020603050405020304" pitchFamily="18" charset="0"/>
+              </a:rPr>
+              <a:t>The produced model not only reconciles bias, but also weighs polls based on methodological processes to create an informed and reproducible  for correcting for pollster bias, systematic or not.</a:t>
             </a:r>
           </a:p>
         </p:txBody>
@@ -5351,8 +5373,8 @@
         </p:nvSpPr>
         <p:spPr bwMode="auto">
           <a:xfrm>
-            <a:off x="34013673" y="17934606"/>
-            <a:ext cx="9601200" cy="476455"/>
+            <a:off x="33705800" y="17951970"/>
+            <a:ext cx="9601200" cy="1146189"/>
           </a:xfrm>
           <a:prstGeom prst="rect">
             <a:avLst/>
@@ -5502,12 +5524,12 @@
               </a:lnSpc>
             </a:pPr>
             <a:r>
-              <a:rPr lang="en-US" sz="2400" dirty="0">
+              <a:rPr lang="en-US" sz="3200" dirty="0">
                 <a:latin typeface="Open Sans" panose="020B0606030504020204" pitchFamily="34" charset="0"/>
                 <a:ea typeface="Open Sans" panose="020B0606030504020204" pitchFamily="34" charset="0"/>
                 <a:cs typeface="Open Sans" panose="020B0606030504020204" pitchFamily="34" charset="0"/>
               </a:rPr>
-              <a:t>Add your information, graphs and images to this section.</a:t>
+              <a:t>The model described here could be improved with the inclusion of time series analysis. </a:t>
             </a:r>
           </a:p>
         </p:txBody>
@@ -5767,14 +5789,308 @@
         </p:blipFill>
         <p:spPr>
           <a:xfrm>
-            <a:off x="10950618" y="16607735"/>
-            <a:ext cx="7912100" cy="4876800"/>
+            <a:off x="12005035" y="14184140"/>
+            <a:ext cx="10744200" cy="6622428"/>
           </a:xfrm>
           <a:prstGeom prst="rect">
             <a:avLst/>
           </a:prstGeom>
         </p:spPr>
       </p:pic>
+      <p:pic>
+        <p:nvPicPr>
+          <p:cNvPr id="8" name="Picture 7" descr="A screenshot of a computer&#10;&#10;Description automatically generated">
+            <a:extLst>
+              <a:ext uri="{FF2B5EF4-FFF2-40B4-BE49-F238E27FC236}">
+                <a16:creationId xmlns:a16="http://schemas.microsoft.com/office/drawing/2014/main" id="{84935CD3-AF33-5644-8206-5002A8F5DA53}"/>
+              </a:ext>
+            </a:extLst>
+          </p:cNvPr>
+          <p:cNvPicPr>
+            <a:picLocks noChangeAspect="1"/>
+          </p:cNvPicPr>
+          <p:nvPr/>
+        </p:nvPicPr>
+        <p:blipFill>
+          <a:blip r:embed="rId4">
+            <a:extLst>
+              <a:ext uri="{28A0092B-C50C-407E-A947-70E740481C1C}">
+                <a14:useLocalDpi xmlns:a14="http://schemas.microsoft.com/office/drawing/2010/main" val="0"/>
+              </a:ext>
+            </a:extLst>
+          </a:blip>
+          <a:stretch>
+            <a:fillRect/>
+          </a:stretch>
+        </p:blipFill>
+        <p:spPr>
+          <a:xfrm>
+            <a:off x="12005035" y="7845332"/>
+            <a:ext cx="10433050" cy="6430644"/>
+          </a:xfrm>
+          <a:prstGeom prst="rect">
+            <a:avLst/>
+          </a:prstGeom>
+        </p:spPr>
+      </p:pic>
+      <p:pic>
+        <p:nvPicPr>
+          <p:cNvPr id="10" name="Picture 9" descr="A screenshot of a cell phone&#10;&#10;Description automatically generated">
+            <a:extLst>
+              <a:ext uri="{FF2B5EF4-FFF2-40B4-BE49-F238E27FC236}">
+                <a16:creationId xmlns:a16="http://schemas.microsoft.com/office/drawing/2014/main" id="{E21E7542-2B5E-C349-A624-F6B8F97A42E4}"/>
+              </a:ext>
+            </a:extLst>
+          </p:cNvPr>
+          <p:cNvPicPr>
+            <a:picLocks noChangeAspect="1"/>
+          </p:cNvPicPr>
+          <p:nvPr/>
+        </p:nvPicPr>
+        <p:blipFill>
+          <a:blip r:embed="rId5">
+            <a:extLst>
+              <a:ext uri="{28A0092B-C50C-407E-A947-70E740481C1C}">
+                <a14:useLocalDpi xmlns:a14="http://schemas.microsoft.com/office/drawing/2010/main" val="0"/>
+              </a:ext>
+            </a:extLst>
+          </a:blip>
+          <a:stretch>
+            <a:fillRect/>
+          </a:stretch>
+        </p:blipFill>
+        <p:spPr>
+          <a:xfrm>
+            <a:off x="22365940" y="8301203"/>
+            <a:ext cx="9740900" cy="6004022"/>
+          </a:xfrm>
+          <a:prstGeom prst="rect">
+            <a:avLst/>
+          </a:prstGeom>
+        </p:spPr>
+      </p:pic>
+      <p:pic>
+        <p:nvPicPr>
+          <p:cNvPr id="26" name="Picture 25" descr="A screenshot of a map&#10;&#10;Description automatically generated">
+            <a:extLst>
+              <a:ext uri="{FF2B5EF4-FFF2-40B4-BE49-F238E27FC236}">
+                <a16:creationId xmlns:a16="http://schemas.microsoft.com/office/drawing/2014/main" id="{7AD3C835-B572-A140-AE14-64C6C8E5216F}"/>
+              </a:ext>
+            </a:extLst>
+          </p:cNvPr>
+          <p:cNvPicPr>
+            <a:picLocks noChangeAspect="1"/>
+          </p:cNvPicPr>
+          <p:nvPr/>
+        </p:nvPicPr>
+        <p:blipFill>
+          <a:blip r:embed="rId6"/>
+          <a:stretch>
+            <a:fillRect/>
+          </a:stretch>
+        </p:blipFill>
+        <p:spPr>
+          <a:xfrm>
+            <a:off x="12005035" y="21684998"/>
+            <a:ext cx="12745040" cy="5661943"/>
+          </a:xfrm>
+          <a:prstGeom prst="rect">
+            <a:avLst/>
+          </a:prstGeom>
+        </p:spPr>
+      </p:pic>
+      <p:grpSp>
+        <p:nvGrpSpPr>
+          <p:cNvPr id="27" name="Group 26">
+            <a:extLst>
+              <a:ext uri="{FF2B5EF4-FFF2-40B4-BE49-F238E27FC236}">
+                <a16:creationId xmlns:a16="http://schemas.microsoft.com/office/drawing/2014/main" id="{635B2C7C-68F6-BA4E-B01D-425FD5E4C017}"/>
+              </a:ext>
+            </a:extLst>
+          </p:cNvPr>
+          <p:cNvGrpSpPr/>
+          <p:nvPr/>
+        </p:nvGrpSpPr>
+        <p:grpSpPr>
+          <a:xfrm>
+            <a:off x="25672466" y="21730849"/>
+            <a:ext cx="6105270" cy="5681704"/>
+            <a:chOff x="5985863" y="238873"/>
+            <a:chExt cx="2946599" cy="3038179"/>
+          </a:xfrm>
+        </p:grpSpPr>
+        <p:pic>
+          <p:nvPicPr>
+            <p:cNvPr id="32" name="Picture 31">
+              <a:extLst>
+                <a:ext uri="{FF2B5EF4-FFF2-40B4-BE49-F238E27FC236}">
+                  <a16:creationId xmlns:a16="http://schemas.microsoft.com/office/drawing/2014/main" id="{43CED1F5-393F-9942-A8AE-6AB2A0D781AE}"/>
+                </a:ext>
+              </a:extLst>
+            </p:cNvPr>
+            <p:cNvPicPr>
+              <a:picLocks noChangeAspect="1"/>
+            </p:cNvPicPr>
+            <p:nvPr/>
+          </p:nvPicPr>
+          <p:blipFill rotWithShape="1">
+            <a:blip r:embed="rId7"/>
+            <a:srcRect r="4202"/>
+            <a:stretch/>
+          </p:blipFill>
+          <p:spPr>
+            <a:xfrm>
+              <a:off x="5985863" y="238873"/>
+              <a:ext cx="2946599" cy="3038179"/>
+            </a:xfrm>
+            <a:prstGeom prst="rect">
+              <a:avLst/>
+            </a:prstGeom>
+          </p:spPr>
+        </p:pic>
+        <p:sp>
+          <p:nvSpPr>
+            <p:cNvPr id="33" name="Rectangle 32">
+              <a:extLst>
+                <a:ext uri="{FF2B5EF4-FFF2-40B4-BE49-F238E27FC236}">
+                  <a16:creationId xmlns:a16="http://schemas.microsoft.com/office/drawing/2014/main" id="{AC43E2A8-512B-2D48-AC0A-CDEA8D229C16}"/>
+                </a:ext>
+              </a:extLst>
+            </p:cNvPr>
+            <p:cNvSpPr/>
+            <p:nvPr/>
+          </p:nvSpPr>
+          <p:spPr>
+            <a:xfrm rot="16200000">
+              <a:off x="5616140" y="1669578"/>
+              <a:ext cx="916214" cy="176768"/>
+            </a:xfrm>
+            <a:prstGeom prst="rect">
+              <a:avLst/>
+            </a:prstGeom>
+            <a:ln>
+              <a:solidFill>
+                <a:schemeClr val="bg1"/>
+              </a:solidFill>
+            </a:ln>
+          </p:spPr>
+          <p:style>
+            <a:lnRef idx="2">
+              <a:schemeClr val="accent6"/>
+            </a:lnRef>
+            <a:fillRef idx="1">
+              <a:schemeClr val="lt1"/>
+            </a:fillRef>
+            <a:effectRef idx="0">
+              <a:schemeClr val="accent6"/>
+            </a:effectRef>
+            <a:fontRef idx="minor">
+              <a:schemeClr val="dk1"/>
+            </a:fontRef>
+          </p:style>
+          <p:txBody>
+            <a:bodyPr rtlCol="0" anchor="ctr"/>
+            <a:lstStyle/>
+            <a:p>
+              <a:pPr algn="ctr"/>
+              <a:r>
+                <a:rPr lang="en-US" sz="700" dirty="0"/>
+                <a:t>Republican Bias</a:t>
+              </a:r>
+            </a:p>
+          </p:txBody>
+        </p:sp>
+        <p:sp>
+          <p:nvSpPr>
+            <p:cNvPr id="34" name="Rectangle 33">
+              <a:extLst>
+                <a:ext uri="{FF2B5EF4-FFF2-40B4-BE49-F238E27FC236}">
+                  <a16:creationId xmlns:a16="http://schemas.microsoft.com/office/drawing/2014/main" id="{633F5105-9DF8-C74E-B464-930FD003008D}"/>
+                </a:ext>
+              </a:extLst>
+            </p:cNvPr>
+            <p:cNvSpPr/>
+            <p:nvPr/>
+          </p:nvSpPr>
+          <p:spPr>
+            <a:xfrm>
+              <a:off x="7192194" y="3100284"/>
+              <a:ext cx="916214" cy="176768"/>
+            </a:xfrm>
+            <a:prstGeom prst="rect">
+              <a:avLst/>
+            </a:prstGeom>
+            <a:ln>
+              <a:solidFill>
+                <a:schemeClr val="bg1"/>
+              </a:solidFill>
+            </a:ln>
+          </p:spPr>
+          <p:style>
+            <a:lnRef idx="2">
+              <a:schemeClr val="accent6"/>
+            </a:lnRef>
+            <a:fillRef idx="1">
+              <a:schemeClr val="lt1"/>
+            </a:fillRef>
+            <a:effectRef idx="0">
+              <a:schemeClr val="accent6"/>
+            </a:effectRef>
+            <a:fontRef idx="minor">
+              <a:schemeClr val="dk1"/>
+            </a:fontRef>
+          </p:style>
+          <p:txBody>
+            <a:bodyPr rtlCol="0" anchor="ctr"/>
+            <a:lstStyle/>
+            <a:p>
+              <a:pPr algn="ctr"/>
+              <a:r>
+                <a:rPr lang="en-US" sz="700" dirty="0"/>
+                <a:t>Democratic Bias</a:t>
+              </a:r>
+            </a:p>
+          </p:txBody>
+        </p:sp>
+      </p:grpSp>
+      <p:sp>
+        <p:nvSpPr>
+          <p:cNvPr id="11" name="TextBox 10">
+            <a:extLst>
+              <a:ext uri="{FF2B5EF4-FFF2-40B4-BE49-F238E27FC236}">
+                <a16:creationId xmlns:a16="http://schemas.microsoft.com/office/drawing/2014/main" id="{E7B1EE41-8CAE-2744-AF41-9A6BB4FB1D0C}"/>
+              </a:ext>
+            </a:extLst>
+          </p:cNvPr>
+          <p:cNvSpPr txBox="1"/>
+          <p:nvPr/>
+        </p:nvSpPr>
+        <p:spPr>
+          <a:xfrm>
+            <a:off x="12005035" y="28053812"/>
+            <a:ext cx="20016654" cy="2554545"/>
+          </a:xfrm>
+          <a:prstGeom prst="rect">
+            <a:avLst/>
+          </a:prstGeom>
+          <a:noFill/>
+        </p:spPr>
+        <p:txBody>
+          <a:bodyPr wrap="square" rtlCol="0">
+            <a:spAutoFit/>
+          </a:bodyPr>
+          <a:lstStyle/>
+          <a:p>
+            <a:r>
+              <a:rPr lang="en-US" sz="4000" dirty="0">
+                <a:latin typeface="Times New Roman" panose="02020603050405020304" pitchFamily="18" charset="0"/>
+                <a:cs typeface="Times New Roman" panose="02020603050405020304" pitchFamily="18" charset="0"/>
+              </a:rPr>
+              <a:t>There is a relationship between democratic error and republican error, but it’s certainty not a perfect 1 to 1 relationship, and it varies by pollster. There is also some credibility in believing that the more undecided voters in  a poll, the more the poll will underrepresent democratic vote share.  </a:t>
+            </a:r>
+          </a:p>
+        </p:txBody>
+      </p:sp>
     </p:spTree>
   </p:cSld>
   <p:clrMapOvr>

--- a/Poster.pptx
+++ b/Poster.pptx
@@ -4656,8 +4656,8 @@
         </p:nvSpPr>
         <p:spPr bwMode="auto">
           <a:xfrm>
-            <a:off x="23115411" y="14413355"/>
-            <a:ext cx="8991429" cy="6814344"/>
+            <a:off x="23035226" y="14551751"/>
+            <a:ext cx="9412060" cy="6137235"/>
           </a:xfrm>
           <a:prstGeom prst="rect">
             <a:avLst/>
@@ -4886,7 +4886,7 @@
         </p:nvSpPr>
         <p:spPr bwMode="auto">
           <a:xfrm>
-            <a:off x="33680400" y="8359828"/>
+            <a:off x="33682859" y="16676563"/>
             <a:ext cx="9601200" cy="4386563"/>
           </a:xfrm>
           <a:prstGeom prst="rect">
@@ -5090,7 +5090,7 @@
         </p:nvSpPr>
         <p:spPr bwMode="auto">
           <a:xfrm>
-            <a:off x="33705800" y="16781358"/>
+            <a:off x="33705800" y="21684998"/>
             <a:ext cx="9601200" cy="873301"/>
           </a:xfrm>
           <a:prstGeom prst="rect">
@@ -5144,7 +5144,7 @@
         <p:spPr bwMode="auto">
           <a:xfrm>
             <a:off x="33682859" y="26471355"/>
-            <a:ext cx="9601200" cy="476455"/>
+            <a:ext cx="9601200" cy="1727695"/>
           </a:xfrm>
           <a:prstGeom prst="rect">
             <a:avLst/>
@@ -5294,12 +5294,12 @@
               </a:lnSpc>
             </a:pPr>
             <a:r>
-              <a:rPr lang="en-US" sz="2400">
-                <a:latin typeface="Open Sans" panose="020B0606030504020204" pitchFamily="34" charset="0"/>
+              <a:rPr lang="en-US" sz="3300" dirty="0">
+                <a:latin typeface="Times New Roman" panose="02020603050405020304" pitchFamily="18" charset="0"/>
                 <a:ea typeface="Open Sans" panose="020B0606030504020204" pitchFamily="34" charset="0"/>
-                <a:cs typeface="Open Sans" panose="020B0606030504020204" pitchFamily="34" charset="0"/>
+                <a:cs typeface="Times New Roman" panose="02020603050405020304" pitchFamily="18" charset="0"/>
               </a:rPr>
-              <a:t>Add your information, graphs and images to this section.</a:t>
+              <a:t>A special thanks goes to Jake Price for being a wonderful research advisor and to the Agricola fund donors for funding my research. </a:t>
             </a:r>
           </a:p>
         </p:txBody>
@@ -5373,8 +5373,8 @@
         </p:nvSpPr>
         <p:spPr bwMode="auto">
           <a:xfrm>
-            <a:off x="33705800" y="17951970"/>
-            <a:ext cx="9601200" cy="1146189"/>
+            <a:off x="33705800" y="22727798"/>
+            <a:ext cx="9601200" cy="2219816"/>
           </a:xfrm>
           <a:prstGeom prst="rect">
             <a:avLst/>
@@ -5525,11 +5525,11 @@
             </a:pPr>
             <a:r>
               <a:rPr lang="en-US" sz="3200" dirty="0">
-                <a:latin typeface="Open Sans" panose="020B0606030504020204" pitchFamily="34" charset="0"/>
+                <a:latin typeface="Times New Roman" panose="02020603050405020304" pitchFamily="18" charset="0"/>
                 <a:ea typeface="Open Sans" panose="020B0606030504020204" pitchFamily="34" charset="0"/>
-                <a:cs typeface="Open Sans" panose="020B0606030504020204" pitchFamily="34" charset="0"/>
+                <a:cs typeface="Times New Roman" panose="02020603050405020304" pitchFamily="18" charset="0"/>
               </a:rPr>
-              <a:t>The model described here could be improved with the inclusion of time series analysis. </a:t>
+              <a:t>The model described here could be improved with the inclusion of time series analysis. Additionally, better ways to measure transparency may offer more promising results. </a:t>
             </a:r>
           </a:p>
         </p:txBody>
@@ -5550,7 +5550,7 @@
         </p:nvSpPr>
         <p:spPr bwMode="auto">
           <a:xfrm>
-            <a:off x="33705800" y="7042495"/>
+            <a:off x="33705800" y="15637768"/>
             <a:ext cx="9601200" cy="873301"/>
           </a:xfrm>
           <a:prstGeom prst="rect">
@@ -6068,7 +6068,7 @@
         <p:spPr>
           <a:xfrm>
             <a:off x="12005035" y="28053812"/>
-            <a:ext cx="20016654" cy="2554545"/>
+            <a:ext cx="20016654" cy="3675045"/>
           </a:xfrm>
           <a:prstGeom prst="rect">
             <a:avLst/>
@@ -6081,6 +6081,11 @@
           </a:bodyPr>
           <a:lstStyle/>
           <a:p>
+            <a:pPr>
+              <a:lnSpc>
+                <a:spcPct val="150000"/>
+              </a:lnSpc>
+            </a:pPr>
             <a:r>
               <a:rPr lang="en-US" sz="4000" dirty="0">
                 <a:latin typeface="Times New Roman" panose="02020603050405020304" pitchFamily="18" charset="0"/>
@@ -6088,6 +6093,213 @@
               </a:rPr>
               <a:t>There is a relationship between democratic error and republican error, but it’s certainty not a perfect 1 to 1 relationship, and it varies by pollster. There is also some credibility in believing that the more undecided voters in  a poll, the more the poll will underrepresent democratic vote share.  </a:t>
             </a:r>
+          </a:p>
+        </p:txBody>
+      </p:sp>
+      <p:sp>
+        <p:nvSpPr>
+          <p:cNvPr id="35" name="Rectangle 10">
+            <a:extLst>
+              <a:ext uri="{FF2B5EF4-FFF2-40B4-BE49-F238E27FC236}">
+                <a16:creationId xmlns:a16="http://schemas.microsoft.com/office/drawing/2014/main" id="{A43939EF-1CF9-1846-90AD-6460C66D5C29}"/>
+              </a:ext>
+            </a:extLst>
+          </p:cNvPr>
+          <p:cNvSpPr>
+            <a:spLocks noChangeArrowheads="1"/>
+          </p:cNvSpPr>
+          <p:nvPr/>
+        </p:nvSpPr>
+        <p:spPr bwMode="auto">
+          <a:xfrm>
+            <a:off x="33516660" y="6942321"/>
+            <a:ext cx="9601200" cy="873301"/>
+          </a:xfrm>
+          <a:prstGeom prst="rect">
+            <a:avLst/>
+          </a:prstGeom>
+          <a:solidFill>
+            <a:srgbClr val="A0BEC8"/>
+          </a:solidFill>
+          <a:ln w="12700">
+            <a:noFill/>
+            <a:miter lim="800000"/>
+          </a:ln>
+        </p:spPr>
+        <p:txBody>
+          <a:bodyPr wrap="none" lIns="274320" tIns="73152" rIns="274320" bIns="68563" anchor="ctr" anchorCtr="0"/>
+          <a:lstStyle>
+            <a:defPPr>
+              <a:defRPr kern="1200" smtId="4294967295"/>
+            </a:defPPr>
+          </a:lstStyle>
+          <a:p>
+            <a:pPr algn="ctr" defTabSz="4702588">
+              <a:defRPr/>
+            </a:pPr>
+            <a:r>
+              <a:rPr lang="en-US" sz="3600" b="1" dirty="0">
+                <a:solidFill>
+                  <a:schemeClr val="bg1"/>
+                </a:solidFill>
+                <a:latin typeface="Nunito" panose="00000500000000000000" pitchFamily="2" charset="0"/>
+              </a:rPr>
+              <a:t>What’s in a Model?</a:t>
+            </a:r>
+          </a:p>
+        </p:txBody>
+      </p:sp>
+      <p:sp>
+        <p:nvSpPr>
+          <p:cNvPr id="12" name="TextBox 11">
+            <a:extLst>
+              <a:ext uri="{FF2B5EF4-FFF2-40B4-BE49-F238E27FC236}">
+                <a16:creationId xmlns:a16="http://schemas.microsoft.com/office/drawing/2014/main" id="{F457573A-EA9A-4047-95D7-FB2A7A92529E}"/>
+              </a:ext>
+            </a:extLst>
+          </p:cNvPr>
+          <p:cNvSpPr txBox="1"/>
+          <p:nvPr/>
+        </p:nvSpPr>
+        <p:spPr>
+          <a:xfrm>
+            <a:off x="33705800" y="8301203"/>
+            <a:ext cx="9412060" cy="7940635"/>
+          </a:xfrm>
+          <a:prstGeom prst="rect">
+            <a:avLst/>
+          </a:prstGeom>
+          <a:noFill/>
+        </p:spPr>
+        <p:txBody>
+          <a:bodyPr wrap="square" rtlCol="0">
+            <a:spAutoFit/>
+          </a:bodyPr>
+          <a:lstStyle/>
+          <a:p>
+            <a:r>
+              <a:rPr lang="en-US" dirty="0">
+                <a:latin typeface="Times New Roman" panose="02020603050405020304" pitchFamily="18" charset="0"/>
+                <a:cs typeface="Times New Roman" panose="02020603050405020304" pitchFamily="18" charset="0"/>
+              </a:rPr>
+              <a:t>Variables that ended up in use in the final model:</a:t>
+            </a:r>
+          </a:p>
+          <a:p>
+            <a:endParaRPr lang="en-US" dirty="0">
+              <a:latin typeface="Times New Roman" panose="02020603050405020304" pitchFamily="18" charset="0"/>
+              <a:cs typeface="Times New Roman" panose="02020603050405020304" pitchFamily="18" charset="0"/>
+            </a:endParaRPr>
+          </a:p>
+          <a:p>
+            <a:pPr marL="457200" indent="-457200">
+              <a:buFont typeface="Arial" panose="020B0604020202020204" pitchFamily="34" charset="0"/>
+              <a:buChar char="•"/>
+            </a:pPr>
+            <a:r>
+              <a:rPr lang="en-US" dirty="0">
+                <a:latin typeface="Times New Roman" panose="02020603050405020304" pitchFamily="18" charset="0"/>
+                <a:cs typeface="Times New Roman" panose="02020603050405020304" pitchFamily="18" charset="0"/>
+              </a:rPr>
+              <a:t>Year</a:t>
+            </a:r>
+          </a:p>
+          <a:p>
+            <a:pPr marL="457200" indent="-457200">
+              <a:buFont typeface="Arial" panose="020B0604020202020204" pitchFamily="34" charset="0"/>
+              <a:buChar char="•"/>
+            </a:pPr>
+            <a:r>
+              <a:rPr lang="en-US" dirty="0">
+                <a:latin typeface="Times New Roman" panose="02020603050405020304" pitchFamily="18" charset="0"/>
+                <a:cs typeface="Times New Roman" panose="02020603050405020304" pitchFamily="18" charset="0"/>
+              </a:rPr>
+              <a:t>Delivery Mode: How the poll was conducted – Online? Over the phone? With a live operator? A robot caller?</a:t>
+            </a:r>
+          </a:p>
+          <a:p>
+            <a:pPr marL="457200" indent="-457200">
+              <a:buFont typeface="Arial" panose="020B0604020202020204" pitchFamily="34" charset="0"/>
+              <a:buChar char="•"/>
+            </a:pPr>
+            <a:r>
+              <a:rPr lang="en-US" dirty="0">
+                <a:latin typeface="Times New Roman" panose="02020603050405020304" pitchFamily="18" charset="0"/>
+                <a:cs typeface="Times New Roman" panose="02020603050405020304" pitchFamily="18" charset="0"/>
+              </a:rPr>
+              <a:t>Pollster: What company or institution is conducting the poll?</a:t>
+            </a:r>
+          </a:p>
+          <a:p>
+            <a:pPr marL="457200" indent="-457200">
+              <a:buFont typeface="Arial" panose="020B0604020202020204" pitchFamily="34" charset="0"/>
+              <a:buChar char="•"/>
+            </a:pPr>
+            <a:r>
+              <a:rPr lang="en-US" dirty="0">
+                <a:latin typeface="Times New Roman" panose="02020603050405020304" pitchFamily="18" charset="0"/>
+                <a:cs typeface="Times New Roman" panose="02020603050405020304" pitchFamily="18" charset="0"/>
+              </a:rPr>
+              <a:t>Transparency: A yes/no dummy variable measured by if the pollster is a member of  NCPP or the AAPOR Transparency Initiative (two organizations that promote transparency in polling)</a:t>
+            </a:r>
+          </a:p>
+          <a:p>
+            <a:pPr marL="457200" indent="-457200">
+              <a:buFont typeface="Arial" panose="020B0604020202020204" pitchFamily="34" charset="0"/>
+              <a:buChar char="•"/>
+            </a:pPr>
+            <a:r>
+              <a:rPr lang="en-US" dirty="0">
+                <a:latin typeface="Times New Roman" panose="02020603050405020304" pitchFamily="18" charset="0"/>
+                <a:cs typeface="Times New Roman" panose="02020603050405020304" pitchFamily="18" charset="0"/>
+              </a:rPr>
+              <a:t>Sample Size: the number of respondents to the poll</a:t>
+            </a:r>
+          </a:p>
+          <a:p>
+            <a:pPr marL="457200" indent="-457200">
+              <a:buFont typeface="Arial" panose="020B0604020202020204" pitchFamily="34" charset="0"/>
+              <a:buChar char="•"/>
+            </a:pPr>
+            <a:r>
+              <a:rPr lang="en-US" dirty="0">
+                <a:latin typeface="Times New Roman" panose="02020603050405020304" pitchFamily="18" charset="0"/>
+                <a:cs typeface="Times New Roman" panose="02020603050405020304" pitchFamily="18" charset="0"/>
+              </a:rPr>
+              <a:t>Likely Voter versus Registered Voter Model</a:t>
+            </a:r>
+          </a:p>
+          <a:p>
+            <a:pPr marL="457200" indent="-457200">
+              <a:buFont typeface="Arial" panose="020B0604020202020204" pitchFamily="34" charset="0"/>
+              <a:buChar char="•"/>
+            </a:pPr>
+            <a:endParaRPr lang="en-US" dirty="0">
+              <a:latin typeface="Times New Roman" panose="02020603050405020304" pitchFamily="18" charset="0"/>
+              <a:cs typeface="Times New Roman" panose="02020603050405020304" pitchFamily="18" charset="0"/>
+            </a:endParaRPr>
+          </a:p>
+          <a:p>
+            <a:pPr marL="457200" indent="-457200">
+              <a:buFont typeface="Arial" panose="020B0604020202020204" pitchFamily="34" charset="0"/>
+              <a:buChar char="•"/>
+            </a:pPr>
+            <a:endParaRPr lang="en-US" dirty="0">
+              <a:latin typeface="Times New Roman" panose="02020603050405020304" pitchFamily="18" charset="0"/>
+              <a:cs typeface="Times New Roman" panose="02020603050405020304" pitchFamily="18" charset="0"/>
+            </a:endParaRPr>
+          </a:p>
+          <a:p>
+            <a:endParaRPr lang="en-US" dirty="0">
+              <a:latin typeface="Times New Roman" panose="02020603050405020304" pitchFamily="18" charset="0"/>
+              <a:cs typeface="Times New Roman" panose="02020603050405020304" pitchFamily="18" charset="0"/>
+            </a:endParaRPr>
+          </a:p>
+          <a:p>
+            <a:endParaRPr lang="en-US" dirty="0">
+              <a:latin typeface="Times New Roman" panose="02020603050405020304" pitchFamily="18" charset="0"/>
+              <a:cs typeface="Times New Roman" panose="02020603050405020304" pitchFamily="18" charset="0"/>
+            </a:endParaRPr>
           </a:p>
         </p:txBody>
       </p:sp>

--- a/Poster.pptx
+++ b/Poster.pptx
@@ -5069,7 +5069,7 @@
                 <a:ea typeface="Open Sans" panose="020B0606030504020204" pitchFamily="34" charset="0"/>
                 <a:cs typeface="Times New Roman" panose="02020603050405020304" pitchFamily="18" charset="0"/>
               </a:rPr>
-              <a:t>The produced model not only reconciles bias, but also weighs polls based on methodological processes to create an informed and reproducible  for correcting for pollster bias, systematic or not.</a:t>
+              <a:t>The produced model not only reconciles bias, but also weighs polls based on methodological processes to create an informed and reproducible method for correcting for pollster bias, systematic or not.</a:t>
             </a:r>
           </a:p>
         </p:txBody>
@@ -5620,7 +5620,7 @@
                 <a:latin typeface="Times New Roman" panose="02020603050405020304" pitchFamily="18" charset="0"/>
                 <a:cs typeface="Times New Roman" panose="02020603050405020304" pitchFamily="18" charset="0"/>
               </a:rPr>
-              <a:t>Given the closeness of recent elections, correct and accurate modeling is imperative to understanding and interpreting data from political pollsters, who often report contradictory results based on methodological differences. Even though there are many predictions available, but there is a demand for transparency in the field surrounding the mechanics and algorithms used in election forecasting. </a:t>
+              <a:t>Given the closeness of recent elections, correct and accurate modeling is imperative to understanding and interpreting data from political pollsters, who often report contradictory results based on methodological differences. Even though there are many predictions available, there is still a demand for transparency in the field surrounding the mechanics and algorithms used in election forecasting. </a:t>
             </a:r>
           </a:p>
           <a:p>

--- a/Poster.pptx
+++ b/Poster.pptx
@@ -6164,7 +6164,7 @@
         <p:spPr>
           <a:xfrm>
             <a:off x="33705800" y="8301203"/>
-            <a:ext cx="9412060" cy="7940635"/>
+            <a:ext cx="9412060" cy="8402300"/>
           </a:xfrm>
           <a:prstGeom prst="rect">
             <a:avLst/>
@@ -6240,7 +6240,7 @@
                 <a:latin typeface="Times New Roman" panose="02020603050405020304" pitchFamily="18" charset="0"/>
                 <a:cs typeface="Times New Roman" panose="02020603050405020304" pitchFamily="18" charset="0"/>
               </a:rPr>
-              <a:t>Transparency: A yes/no dummy variable measured by if the pollster is a member of  NCPP or the AAPOR Transparency Initiative (two organizations that promote transparency in polling)</a:t>
+              <a:t>Transparency: A yes/no dummy variable measured by if the pollster participates in the American Association for Public Opinion Research’s Transparency Initiative and/or the Roper Center for Public Opinion Research (two organizations that promote transparency in polling)</a:t>
             </a:r>
           </a:p>
           <a:p>

--- a/Poster.pptx
+++ b/Poster.pptx
@@ -4656,8 +4656,8 @@
         </p:nvSpPr>
         <p:spPr bwMode="auto">
           <a:xfrm>
-            <a:off x="23035226" y="14551751"/>
-            <a:ext cx="9412060" cy="6137235"/>
+            <a:off x="12047019" y="20314732"/>
+            <a:ext cx="20236147" cy="2062081"/>
           </a:xfrm>
           <a:prstGeom prst="rect">
             <a:avLst/>
@@ -4801,13 +4801,9 @@
             </a:lvl9pPr>
           </a:lstStyle>
           <a:p>
-            <a:pPr algn="just">
-              <a:lnSpc>
-                <a:spcPct val="110000"/>
-              </a:lnSpc>
-            </a:pPr>
-            <a:r>
-              <a:rPr lang="en-US" sz="4000" dirty="0">
+            <a:pPr algn="just"/>
+            <a:r>
+              <a:rPr lang="en-US" sz="3200" dirty="0">
                 <a:latin typeface="Times New Roman" panose="02020603050405020304" pitchFamily="18" charset="0"/>
                 <a:ea typeface="Open Sans" panose="020B0606030504020204" pitchFamily="34" charset="0"/>
                 <a:cs typeface="Times New Roman" panose="02020603050405020304" pitchFamily="18" charset="0"/>
@@ -4833,8 +4829,8 @@
         </p:nvSpPr>
         <p:spPr bwMode="auto">
           <a:xfrm>
-            <a:off x="11869511" y="6913821"/>
-            <a:ext cx="20152178" cy="884719"/>
+            <a:off x="12047019" y="12760202"/>
+            <a:ext cx="20074064" cy="929846"/>
           </a:xfrm>
           <a:prstGeom prst="rect">
             <a:avLst/>
@@ -4886,8 +4882,8 @@
         </p:nvSpPr>
         <p:spPr bwMode="auto">
           <a:xfrm>
-            <a:off x="33682859" y="16676563"/>
-            <a:ext cx="9601200" cy="4386563"/>
+            <a:off x="33721040" y="14132383"/>
+            <a:ext cx="9601200" cy="8178370"/>
           </a:xfrm>
           <a:prstGeom prst="rect">
             <a:avLst/>
@@ -5069,7 +5065,61 @@
                 <a:ea typeface="Open Sans" panose="020B0606030504020204" pitchFamily="34" charset="0"/>
                 <a:cs typeface="Times New Roman" panose="02020603050405020304" pitchFamily="18" charset="0"/>
               </a:rPr>
-              <a:t>The produced model not only reconciles bias, but also weighs polls based on methodological processes to create an informed and reproducible method for correcting for pollster bias, systematic or not.</a:t>
+              <a:t>When you see a poll, thinks that should effect how much credence you give it include the delivery mode, the pollster, the pollster’s commitment to transparency, the sample size, and the type of voting model used. </a:t>
+            </a:r>
+          </a:p>
+          <a:p>
+            <a:pPr algn="just">
+              <a:lnSpc>
+                <a:spcPct val="110000"/>
+              </a:lnSpc>
+            </a:pPr>
+            <a:endParaRPr lang="en-US" sz="3200" dirty="0">
+              <a:latin typeface="Times New Roman" panose="02020603050405020304" pitchFamily="18" charset="0"/>
+              <a:ea typeface="Open Sans" panose="020B0606030504020204" pitchFamily="34" charset="0"/>
+              <a:cs typeface="Times New Roman" panose="02020603050405020304" pitchFamily="18" charset="0"/>
+            </a:endParaRPr>
+          </a:p>
+          <a:p>
+            <a:pPr algn="just">
+              <a:lnSpc>
+                <a:spcPct val="110000"/>
+              </a:lnSpc>
+            </a:pPr>
+            <a:r>
+              <a:rPr lang="en-US" sz="3200" dirty="0">
+                <a:latin typeface="Times New Roman" panose="02020603050405020304" pitchFamily="18" charset="0"/>
+                <a:ea typeface="Open Sans" panose="020B0606030504020204" pitchFamily="34" charset="0"/>
+                <a:cs typeface="Times New Roman" panose="02020603050405020304" pitchFamily="18" charset="0"/>
+              </a:rPr>
+              <a:t>The pollster and the year themselves also produce systematic error in polls that you should be aware of.</a:t>
+            </a:r>
+          </a:p>
+          <a:p>
+            <a:pPr algn="just">
+              <a:lnSpc>
+                <a:spcPct val="110000"/>
+              </a:lnSpc>
+            </a:pPr>
+            <a:endParaRPr lang="en-US" sz="3200" dirty="0">
+              <a:latin typeface="Times New Roman" panose="02020603050405020304" pitchFamily="18" charset="0"/>
+              <a:ea typeface="Open Sans" panose="020B0606030504020204" pitchFamily="34" charset="0"/>
+              <a:cs typeface="Times New Roman" panose="02020603050405020304" pitchFamily="18" charset="0"/>
+            </a:endParaRPr>
+          </a:p>
+          <a:p>
+            <a:pPr algn="just">
+              <a:lnSpc>
+                <a:spcPct val="110000"/>
+              </a:lnSpc>
+            </a:pPr>
+            <a:r>
+              <a:rPr lang="en-US" sz="3200" dirty="0">
+                <a:latin typeface="Times New Roman" panose="02020603050405020304" pitchFamily="18" charset="0"/>
+                <a:ea typeface="Open Sans" panose="020B0606030504020204" pitchFamily="34" charset="0"/>
+                <a:cs typeface="Times New Roman" panose="02020603050405020304" pitchFamily="18" charset="0"/>
+              </a:rPr>
+              <a:t>Also, each of these variables' effects are different for the Bias of the Margin, Democratic Error, and Republican Error.</a:t>
             </a:r>
           </a:p>
         </p:txBody>
@@ -5090,7 +5140,7 @@
         </p:nvSpPr>
         <p:spPr bwMode="auto">
           <a:xfrm>
-            <a:off x="33705800" y="21684998"/>
+            <a:off x="33518658" y="23139995"/>
             <a:ext cx="9601200" cy="873301"/>
           </a:xfrm>
           <a:prstGeom prst="rect">
@@ -5143,7 +5193,7 @@
         </p:nvSpPr>
         <p:spPr bwMode="auto">
           <a:xfrm>
-            <a:off x="33682859" y="26471355"/>
+            <a:off x="33619849" y="28491125"/>
             <a:ext cx="9601200" cy="1727695"/>
           </a:xfrm>
           <a:prstGeom prst="rect">
@@ -5320,7 +5370,7 @@
         </p:nvSpPr>
         <p:spPr bwMode="auto">
           <a:xfrm>
-            <a:off x="33682859" y="25245675"/>
+            <a:off x="33619849" y="27178955"/>
             <a:ext cx="9601200" cy="873301"/>
           </a:xfrm>
           <a:prstGeom prst="rect">
@@ -5373,7 +5423,7 @@
         </p:nvSpPr>
         <p:spPr bwMode="auto">
           <a:xfrm>
-            <a:off x="33705800" y="22727798"/>
+            <a:off x="33518658" y="24445906"/>
             <a:ext cx="9601200" cy="2219816"/>
           </a:xfrm>
           <a:prstGeom prst="rect">
@@ -5550,7 +5600,7 @@
         </p:nvSpPr>
         <p:spPr bwMode="auto">
           <a:xfrm>
-            <a:off x="33705800" y="15637768"/>
+            <a:off x="33721040" y="6902681"/>
             <a:ext cx="9601200" cy="873301"/>
           </a:xfrm>
           <a:prstGeom prst="rect">
@@ -5650,7 +5700,7 @@
                 <a:latin typeface="Times New Roman" panose="02020603050405020304" pitchFamily="18" charset="0"/>
                 <a:cs typeface="Times New Roman" panose="02020603050405020304" pitchFamily="18" charset="0"/>
               </a:rPr>
-              <a:t>The hierarchical model was able to estimate distributions of true vote share with predictors including but not limited to, poll recency, pollster, delivery mode (i.e. telephone, online, etc.), sample size, and comparing registered voter versus likely voter models. Using this combination of nominal and numerical variables created a posterior model that states what percent of vote share is most credible to believe in for past and current elections at both the state and national levels.</a:t>
+              <a:t>The hierarchical model was able to estimate distributions of true vote share with predictors including but not limited to, poll recency, pollster, delivery mode (i.e. telephone, online, etc.), sample size, and comparing registered voter versus likely voter models. Using this combination of nominal and numerical variables, a posterior model was created that states what percent of vote share is most credible to believe in for past and current elections at both state and national levels.</a:t>
             </a:r>
           </a:p>
         </p:txBody>
@@ -5789,8 +5839,8 @@
         </p:blipFill>
         <p:spPr>
           <a:xfrm>
-            <a:off x="12005035" y="14184140"/>
-            <a:ext cx="10744200" cy="6622428"/>
+            <a:off x="22269944" y="13921405"/>
+            <a:ext cx="9787833" cy="6032949"/>
           </a:xfrm>
           <a:prstGeom prst="rect">
             <a:avLst/>
@@ -5825,44 +5875,8 @@
         </p:blipFill>
         <p:spPr>
           <a:xfrm>
-            <a:off x="12005035" y="7845332"/>
-            <a:ext cx="10433050" cy="6430644"/>
-          </a:xfrm>
-          <a:prstGeom prst="rect">
-            <a:avLst/>
-          </a:prstGeom>
-        </p:spPr>
-      </p:pic>
-      <p:pic>
-        <p:nvPicPr>
-          <p:cNvPr id="10" name="Picture 9" descr="A screenshot of a cell phone&#10;&#10;Description automatically generated">
-            <a:extLst>
-              <a:ext uri="{FF2B5EF4-FFF2-40B4-BE49-F238E27FC236}">
-                <a16:creationId xmlns:a16="http://schemas.microsoft.com/office/drawing/2014/main" id="{E21E7542-2B5E-C349-A624-F6B8F97A42E4}"/>
-              </a:ext>
-            </a:extLst>
-          </p:cNvPr>
-          <p:cNvPicPr>
-            <a:picLocks noChangeAspect="1"/>
-          </p:cNvPicPr>
-          <p:nvPr/>
-        </p:nvPicPr>
-        <p:blipFill>
-          <a:blip r:embed="rId5">
-            <a:extLst>
-              <a:ext uri="{28A0092B-C50C-407E-A947-70E740481C1C}">
-                <a14:useLocalDpi xmlns:a14="http://schemas.microsoft.com/office/drawing/2010/main" val="0"/>
-              </a:ext>
-            </a:extLst>
-          </a:blip>
-          <a:stretch>
-            <a:fillRect/>
-          </a:stretch>
-        </p:blipFill>
-        <p:spPr>
-          <a:xfrm>
-            <a:off x="22365940" y="8301203"/>
-            <a:ext cx="9740900" cy="6004022"/>
+            <a:off x="12031779" y="13827075"/>
+            <a:ext cx="9787833" cy="6032950"/>
           </a:xfrm>
           <a:prstGeom prst="rect">
             <a:avLst/>
@@ -5884,14 +5898,14 @@
           <p:nvPr/>
         </p:nvPicPr>
         <p:blipFill>
-          <a:blip r:embed="rId6"/>
+          <a:blip r:embed="rId5"/>
           <a:stretch>
             <a:fillRect/>
           </a:stretch>
         </p:blipFill>
         <p:spPr>
           <a:xfrm>
-            <a:off x="12005035" y="21684998"/>
+            <a:off x="11968904" y="23017721"/>
             <a:ext cx="12745040" cy="5661943"/>
           </a:xfrm>
           <a:prstGeom prst="rect">
@@ -5913,7 +5927,7 @@
         </p:nvGrpSpPr>
         <p:grpSpPr>
           <a:xfrm>
-            <a:off x="25672466" y="21730849"/>
+            <a:off x="25527000" y="23139995"/>
             <a:ext cx="6105270" cy="5681704"/>
             <a:chOff x="5985863" y="238873"/>
             <a:chExt cx="2946599" cy="3038179"/>
@@ -5934,7 +5948,7 @@
             <p:nvPr/>
           </p:nvPicPr>
           <p:blipFill rotWithShape="1">
-            <a:blip r:embed="rId7"/>
+            <a:blip r:embed="rId6"/>
             <a:srcRect r="4202"/>
             <a:stretch/>
           </p:blipFill>
@@ -6067,8 +6081,8 @@
         </p:nvSpPr>
         <p:spPr>
           <a:xfrm>
-            <a:off x="12005035" y="28053812"/>
-            <a:ext cx="20016654" cy="3675045"/>
+            <a:off x="11937273" y="29320572"/>
+            <a:ext cx="20016654" cy="1077218"/>
           </a:xfrm>
           <a:prstGeom prst="rect">
             <a:avLst/>
@@ -6081,17 +6095,12 @@
           </a:bodyPr>
           <a:lstStyle/>
           <a:p>
-            <a:pPr>
-              <a:lnSpc>
-                <a:spcPct val="150000"/>
-              </a:lnSpc>
-            </a:pPr>
-            <a:r>
-              <a:rPr lang="en-US" sz="4000" dirty="0">
+            <a:r>
+              <a:rPr lang="en-US" sz="3200" dirty="0">
                 <a:latin typeface="Times New Roman" panose="02020603050405020304" pitchFamily="18" charset="0"/>
                 <a:cs typeface="Times New Roman" panose="02020603050405020304" pitchFamily="18" charset="0"/>
               </a:rPr>
-              <a:t>There is a relationship between democratic error and republican error, but it’s certainty not a perfect 1 to 1 relationship, and it varies by pollster. There is also some credibility in believing that the more undecided voters in  a poll, the more the poll will underrepresent democratic vote share.  </a:t>
+              <a:t>There is a relationship between democratic error and republican error, but it’s certainty not a perfect 1 to 1 relationship, and it varies by pollster and by year. </a:t>
             </a:r>
           </a:p>
         </p:txBody>
@@ -6112,8 +6121,8 @@
         </p:nvSpPr>
         <p:spPr bwMode="auto">
           <a:xfrm>
-            <a:off x="33516660" y="6942321"/>
-            <a:ext cx="9601200" cy="873301"/>
+            <a:off x="11968905" y="6902681"/>
+            <a:ext cx="20152178" cy="873301"/>
           </a:xfrm>
           <a:prstGeom prst="rect">
             <a:avLst/>
@@ -6163,8 +6172,8 @@
         </p:nvSpPr>
         <p:spPr>
           <a:xfrm>
-            <a:off x="33705800" y="8301203"/>
-            <a:ext cx="9412060" cy="8402300"/>
+            <a:off x="12007961" y="7968020"/>
+            <a:ext cx="20152179" cy="6555641"/>
           </a:xfrm>
           <a:prstGeom prst="rect">
             <a:avLst/>
@@ -6303,6 +6312,96 @@
           </a:p>
         </p:txBody>
       </p:sp>
+      <p:pic>
+        <p:nvPicPr>
+          <p:cNvPr id="9" name="Picture 8" descr="A close up of a sign&#10;&#10;Description automatically generated">
+            <a:extLst>
+              <a:ext uri="{FF2B5EF4-FFF2-40B4-BE49-F238E27FC236}">
+                <a16:creationId xmlns:a16="http://schemas.microsoft.com/office/drawing/2014/main" id="{4EFE30CE-1BF8-874C-9789-DEE47A66B7EE}"/>
+              </a:ext>
+            </a:extLst>
+          </p:cNvPr>
+          <p:cNvPicPr>
+            <a:picLocks noChangeAspect="1"/>
+          </p:cNvPicPr>
+          <p:nvPr/>
+        </p:nvPicPr>
+        <p:blipFill>
+          <a:blip r:embed="rId7">
+            <a:duotone>
+              <a:schemeClr val="bg2">
+                <a:shade val="45000"/>
+                <a:satMod val="135000"/>
+              </a:schemeClr>
+              <a:prstClr val="white"/>
+            </a:duotone>
+            <a:extLst>
+              <a:ext uri="{BEBA8EAE-BF5A-486C-A8C5-ECC9F3942E4B}">
+                <a14:imgProps xmlns:a14="http://schemas.microsoft.com/office/drawing/2010/main">
+                  <a14:imgLayer r:embed="rId8">
+                    <a14:imgEffect>
+                      <a14:colorTemperature colorTemp="7235"/>
+                    </a14:imgEffect>
+                    <a14:imgEffect>
+                      <a14:saturation sat="117000"/>
+                    </a14:imgEffect>
+                    <a14:imgEffect>
+                      <a14:brightnessContrast bright="100000"/>
+                    </a14:imgEffect>
+                  </a14:imgLayer>
+                </a14:imgProps>
+              </a:ext>
+              <a:ext uri="{28A0092B-C50C-407E-A947-70E740481C1C}">
+                <a14:useLocalDpi xmlns:a14="http://schemas.microsoft.com/office/drawing/2010/main" val="0"/>
+              </a:ext>
+            </a:extLst>
+          </a:blip>
+          <a:stretch>
+            <a:fillRect/>
+          </a:stretch>
+        </p:blipFill>
+        <p:spPr>
+          <a:xfrm>
+            <a:off x="658387" y="2583935"/>
+            <a:ext cx="9784069" cy="3383394"/>
+          </a:xfrm>
+          <a:prstGeom prst="rect">
+            <a:avLst/>
+          </a:prstGeom>
+        </p:spPr>
+      </p:pic>
+      <p:pic>
+        <p:nvPicPr>
+          <p:cNvPr id="13" name="Picture 12">
+            <a:extLst>
+              <a:ext uri="{FF2B5EF4-FFF2-40B4-BE49-F238E27FC236}">
+                <a16:creationId xmlns:a16="http://schemas.microsoft.com/office/drawing/2014/main" id="{D8001473-014E-B340-A6A8-6D41BB3BA3D6}"/>
+              </a:ext>
+            </a:extLst>
+          </p:cNvPr>
+          <p:cNvPicPr>
+            <a:picLocks noChangeAspect="1"/>
+          </p:cNvPicPr>
+          <p:nvPr/>
+        </p:nvPicPr>
+        <p:blipFill>
+          <a:blip r:embed="rId9">
+            <a:alphaModFix amt="85000"/>
+          </a:blip>
+          <a:stretch>
+            <a:fillRect/>
+          </a:stretch>
+        </p:blipFill>
+        <p:spPr>
+          <a:xfrm>
+            <a:off x="33518658" y="8128361"/>
+            <a:ext cx="9803582" cy="6004022"/>
+          </a:xfrm>
+          <a:prstGeom prst="rect">
+            <a:avLst/>
+          </a:prstGeom>
+        </p:spPr>
+      </p:pic>
     </p:spTree>
   </p:cSld>
   <p:clrMapOvr>

--- a/Poster.pptx
+++ b/Poster.pptx
@@ -5813,7 +5813,7 @@
       </p:sp>
       <p:pic>
         <p:nvPicPr>
-          <p:cNvPr id="7" name="Picture 6" descr="A screenshot of a social media post&#10;&#10;Description automatically generated">
+          <p:cNvPr id="7" name="Picture 6">
             <a:extLst>
               <a:ext uri="{FF2B5EF4-FFF2-40B4-BE49-F238E27FC236}">
                 <a16:creationId xmlns:a16="http://schemas.microsoft.com/office/drawing/2014/main" id="{5690D18A-FF81-F148-A2A5-B1A97B774299}"/>
@@ -5833,14 +5833,13 @@
               </a:ext>
             </a:extLst>
           </a:blip>
-          <a:stretch>
-            <a:fillRect/>
-          </a:stretch>
+          <a:srcRect/>
+          <a:stretch/>
         </p:blipFill>
         <p:spPr>
           <a:xfrm>
-            <a:off x="22269944" y="13921405"/>
-            <a:ext cx="9787833" cy="6032949"/>
+            <a:off x="21970182" y="13961329"/>
+            <a:ext cx="9787831" cy="6032949"/>
           </a:xfrm>
           <a:prstGeom prst="rect">
             <a:avLst/>
@@ -5849,7 +5848,7 @@
       </p:pic>
       <p:pic>
         <p:nvPicPr>
-          <p:cNvPr id="8" name="Picture 7" descr="A screenshot of a computer&#10;&#10;Description automatically generated">
+          <p:cNvPr id="8" name="Picture 7">
             <a:extLst>
               <a:ext uri="{FF2B5EF4-FFF2-40B4-BE49-F238E27FC236}">
                 <a16:creationId xmlns:a16="http://schemas.microsoft.com/office/drawing/2014/main" id="{84935CD3-AF33-5644-8206-5002A8F5DA53}"/>
@@ -5869,14 +5868,13 @@
               </a:ext>
             </a:extLst>
           </a:blip>
-          <a:stretch>
-            <a:fillRect/>
-          </a:stretch>
+          <a:srcRect/>
+          <a:stretch/>
         </p:blipFill>
         <p:spPr>
           <a:xfrm>
-            <a:off x="12031779" y="13827075"/>
-            <a:ext cx="9787833" cy="6032950"/>
+            <a:off x="12210145" y="13921405"/>
+            <a:ext cx="9787832" cy="6032950"/>
           </a:xfrm>
           <a:prstGeom prst="rect">
             <a:avLst/>

--- a/Poster.pptx
+++ b/Poster.pptx
@@ -5720,15 +5720,20 @@
           <p:nvPr/>
         </p:nvPicPr>
         <p:blipFill>
-          <a:blip r:embed="rId2"/>
-          <a:stretch>
-            <a:fillRect/>
-          </a:stretch>
+          <a:blip r:embed="rId2">
+            <a:extLst>
+              <a:ext uri="{28A0092B-C50C-407E-A947-70E740481C1C}">
+                <a14:useLocalDpi xmlns:a14="http://schemas.microsoft.com/office/drawing/2010/main" val="0"/>
+              </a:ext>
+            </a:extLst>
+          </a:blip>
+          <a:srcRect/>
+          <a:stretch/>
         </p:blipFill>
         <p:spPr>
           <a:xfrm>
-            <a:off x="582706" y="22459151"/>
-            <a:ext cx="6985000" cy="7620000"/>
+            <a:off x="516628" y="21146264"/>
+            <a:ext cx="10202534" cy="7655517"/>
           </a:xfrm>
           <a:prstGeom prst="rect">
             <a:avLst/>
@@ -5749,8 +5754,8 @@
         </p:nvSpPr>
         <p:spPr>
           <a:xfrm>
-            <a:off x="7981185" y="21779697"/>
-            <a:ext cx="2340547" cy="8402300"/>
+            <a:off x="473991" y="28639847"/>
+            <a:ext cx="9550390" cy="1938992"/>
           </a:xfrm>
           <a:prstGeom prst="rect">
             <a:avLst/>
@@ -5768,7 +5773,7 @@
                 <a:latin typeface="Times New Roman" panose="02020603050405020304" pitchFamily="18" charset="0"/>
                 <a:cs typeface="Times New Roman" panose="02020603050405020304" pitchFamily="18" charset="0"/>
               </a:rPr>
-              <a:t>With the help of JAGS, model diagrams like those to the left, when converted to model statements, are used to predict the most credible parameter values for every parameter at every step in the model.</a:t>
+              <a:t>With the help of JAGS, model diagrams like those above, when converted to model statements, are used to predict the most credible parameter values for every parameter at every step in the model.</a:t>
             </a:r>
           </a:p>
         </p:txBody>
@@ -5787,7 +5792,7 @@
         </p:nvSpPr>
         <p:spPr>
           <a:xfrm>
-            <a:off x="555812" y="30232461"/>
+            <a:off x="396287" y="30958757"/>
             <a:ext cx="9628094" cy="1477328"/>
           </a:xfrm>
           <a:prstGeom prst="rect">

--- a/Poster.pptx
+++ b/Poster.pptx
@@ -3914,8 +3914,8 @@
         </p:nvSpPr>
         <p:spPr bwMode="auto">
           <a:xfrm>
-            <a:off x="0" y="-85504"/>
-            <a:ext cx="43891200" cy="6474084"/>
+            <a:off x="-87229" y="-83159"/>
+            <a:ext cx="43978429" cy="6474084"/>
           </a:xfrm>
           <a:prstGeom prst="rect">
             <a:avLst/>
@@ -4414,7 +4414,7 @@
         </p:nvSpPr>
         <p:spPr bwMode="auto">
           <a:xfrm>
-            <a:off x="582706" y="19450849"/>
+            <a:off x="423181" y="16364831"/>
             <a:ext cx="9601200" cy="3008302"/>
           </a:xfrm>
           <a:prstGeom prst="rect">
@@ -4570,7 +4570,7 @@
                 <a:ea typeface="Open Sans" panose="020B0606030504020204" pitchFamily="34" charset="0"/>
                 <a:cs typeface="Times New Roman" panose="02020603050405020304" pitchFamily="18" charset="0"/>
               </a:rPr>
-              <a:t>This project utilized the statistical processing systems of R and RStudio. Additionally, JAGS (Just Another Gibbs Sampler) was used extensively to create Markov Monte Carlo simulations to produce posterior distributions for the hierarchal Bayesian models.   </a:t>
+              <a:t>This project utilized the statistical processing systems of R and RStudio. Additionally, JAGS (Just Another Gibbs Sampler) was used extensively to create Markov Monte Carlo samples of posterior distributions for the hierarchal Bayesian models.   </a:t>
             </a:r>
           </a:p>
           <a:p>
@@ -4603,7 +4603,7 @@
         </p:nvSpPr>
         <p:spPr bwMode="auto">
           <a:xfrm>
-            <a:off x="276327" y="18172834"/>
+            <a:off x="396287" y="15346335"/>
             <a:ext cx="9601200" cy="873301"/>
           </a:xfrm>
           <a:prstGeom prst="rect">
@@ -4656,7 +4656,7 @@
         </p:nvSpPr>
         <p:spPr bwMode="auto">
           <a:xfrm>
-            <a:off x="12047019" y="20314732"/>
+            <a:off x="11963400" y="21551919"/>
             <a:ext cx="20236147" cy="2062081"/>
           </a:xfrm>
           <a:prstGeom prst="rect">
@@ -4829,8 +4829,8 @@
         </p:nvSpPr>
         <p:spPr bwMode="auto">
           <a:xfrm>
-            <a:off x="12047019" y="12760202"/>
-            <a:ext cx="20074064" cy="929846"/>
+            <a:off x="11895638" y="14072246"/>
+            <a:ext cx="20152178" cy="929846"/>
           </a:xfrm>
           <a:prstGeom prst="rect">
             <a:avLst/>
@@ -4882,8 +4882,8 @@
         </p:nvSpPr>
         <p:spPr bwMode="auto">
           <a:xfrm>
-            <a:off x="33721040" y="14132383"/>
-            <a:ext cx="9601200" cy="8178370"/>
+            <a:off x="33721040" y="13867193"/>
+            <a:ext cx="9601200" cy="4928250"/>
           </a:xfrm>
           <a:prstGeom prst="rect">
             <a:avLst/>
@@ -5038,7 +5038,7 @@
                 <a:ea typeface="Open Sans" panose="020B0606030504020204" pitchFamily="34" charset="0"/>
                 <a:cs typeface="Times New Roman" panose="02020603050405020304" pitchFamily="18" charset="0"/>
               </a:rPr>
-              <a:t>Bias and accuracy varies by pollster and polling methods, and to what extent can be understood with a Bayesian hierarchical modeling process. </a:t>
+              <a:t>How bias and accuracy varies by pollster and polling methods, and to what extent can be understood with a Bayesian hierarchical model. </a:t>
             </a:r>
           </a:p>
           <a:p>
@@ -5065,7 +5065,7 @@
                 <a:ea typeface="Open Sans" panose="020B0606030504020204" pitchFamily="34" charset="0"/>
                 <a:cs typeface="Times New Roman" panose="02020603050405020304" pitchFamily="18" charset="0"/>
               </a:rPr>
-              <a:t>When you see a poll, thinks that should effect how much credence you give it include the delivery mode, the pollster, the pollster’s commitment to transparency, the sample size, and the type of voting model used. </a:t>
+              <a:t>When you see a poll, things that should effect how much credence you give it include the delivery mode, the pollster, the pollster’s commitment to transparency, the sample size, and the type of voting model used. </a:t>
             </a:r>
           </a:p>
           <a:p>
@@ -5080,6 +5080,168 @@
               <a:cs typeface="Times New Roman" panose="02020603050405020304" pitchFamily="18" charset="0"/>
             </a:endParaRPr>
           </a:p>
+        </p:txBody>
+      </p:sp>
+      <p:sp>
+        <p:nvSpPr>
+          <p:cNvPr id="28" name="TextBox 19">
+            <a:extLst>
+              <a:ext uri="{FF2B5EF4-FFF2-40B4-BE49-F238E27FC236}">
+                <a16:creationId xmlns:a16="http://schemas.microsoft.com/office/drawing/2014/main" id="{6258151E-49CC-4DED-BAB7-C6568770CA38}"/>
+              </a:ext>
+            </a:extLst>
+          </p:cNvPr>
+          <p:cNvSpPr txBox="1">
+            <a:spLocks noChangeArrowheads="1"/>
+          </p:cNvSpPr>
+          <p:nvPr/>
+        </p:nvSpPr>
+        <p:spPr bwMode="auto">
+          <a:xfrm>
+            <a:off x="33619849" y="30584079"/>
+            <a:ext cx="9601200" cy="1727695"/>
+          </a:xfrm>
+          <a:prstGeom prst="rect">
+            <a:avLst/>
+          </a:prstGeom>
+          <a:noFill/>
+          <a:ln>
+            <a:noFill/>
+          </a:ln>
+          <a:extLst>
+            <a:ext uri="{909E8E84-426E-40DD-AFC4-6F175D3DCCD1}">
+              <a14:hiddenFill xmlns:a14="http://schemas.microsoft.com/office/drawing/2010/main">
+                <a:solidFill>
+                  <a:srgbClr val="FFFFFF"/>
+                </a:solidFill>
+              </a14:hiddenFill>
+            </a:ext>
+            <a:ext uri="{91240B29-F687-4F45-9708-019B960494DF}">
+              <a14:hiddenLine xmlns:a14="http://schemas.microsoft.com/office/drawing/2010/main" w="9525">
+                <a:solidFill>
+                  <a:srgbClr val="000000"/>
+                </a:solidFill>
+                <a:miter lim="800000"/>
+                <a:headEnd/>
+                <a:tailEnd/>
+              </a14:hiddenLine>
+            </a:ext>
+          </a:extLst>
+        </p:spPr>
+        <p:txBody>
+          <a:bodyPr wrap="square" lIns="91418" tIns="45709" rIns="91418" bIns="45709">
+            <a:spAutoFit/>
+          </a:bodyPr>
+          <a:lstStyle>
+            <a:defPPr>
+              <a:defRPr kern="1200" smtId="4294967295"/>
+            </a:defPPr>
+            <a:lvl1pPr eaLnBrk="0" hangingPunct="0">
+              <a:defRPr sz="2000">
+                <a:solidFill>
+                  <a:schemeClr val="tx1"/>
+                </a:solidFill>
+                <a:latin typeface="Arial"/>
+                <a:ea typeface="ＭＳ Ｐゴシック" pitchFamily="-106" charset="-128"/>
+              </a:defRPr>
+            </a:lvl1pPr>
+            <a:lvl2pPr eaLnBrk="0" hangingPunct="0">
+              <a:defRPr sz="2000">
+                <a:solidFill>
+                  <a:schemeClr val="tx1"/>
+                </a:solidFill>
+                <a:latin typeface="Arial"/>
+                <a:ea typeface="ＭＳ Ｐゴシック" pitchFamily="-106" charset="-128"/>
+              </a:defRPr>
+            </a:lvl2pPr>
+            <a:lvl3pPr marL="1143000" indent="-228600" eaLnBrk="0" hangingPunct="0">
+              <a:defRPr sz="2000">
+                <a:solidFill>
+                  <a:schemeClr val="tx1"/>
+                </a:solidFill>
+                <a:latin typeface="Arial"/>
+                <a:ea typeface="ＭＳ Ｐゴシック" pitchFamily="-106" charset="-128"/>
+              </a:defRPr>
+            </a:lvl3pPr>
+            <a:lvl4pPr marL="1600200" indent="-228600" eaLnBrk="0" hangingPunct="0">
+              <a:defRPr sz="2000">
+                <a:solidFill>
+                  <a:schemeClr val="tx1"/>
+                </a:solidFill>
+                <a:latin typeface="Arial"/>
+                <a:ea typeface="ＭＳ Ｐゴシック" pitchFamily="-106" charset="-128"/>
+              </a:defRPr>
+            </a:lvl4pPr>
+            <a:lvl5pPr marL="2057400" indent="-228600" eaLnBrk="0" hangingPunct="0">
+              <a:defRPr sz="2000">
+                <a:solidFill>
+                  <a:schemeClr val="tx1"/>
+                </a:solidFill>
+                <a:latin typeface="Arial"/>
+                <a:ea typeface="ＭＳ Ｐゴシック" pitchFamily="-106" charset="-128"/>
+              </a:defRPr>
+            </a:lvl5pPr>
+            <a:lvl6pPr marL="2514600" indent="-228600" eaLnBrk="0" fontAlgn="base" hangingPunct="0">
+              <a:spcBef>
+                <a:spcPct val="0"/>
+              </a:spcBef>
+              <a:spcAft>
+                <a:spcPct val="0"/>
+              </a:spcAft>
+              <a:defRPr sz="2000">
+                <a:solidFill>
+                  <a:schemeClr val="tx1"/>
+                </a:solidFill>
+                <a:latin typeface="Arial"/>
+                <a:ea typeface="ＭＳ Ｐゴシック" pitchFamily="-106" charset="-128"/>
+              </a:defRPr>
+            </a:lvl6pPr>
+            <a:lvl7pPr marL="2971800" indent="-228600" eaLnBrk="0" fontAlgn="base" hangingPunct="0">
+              <a:spcBef>
+                <a:spcPct val="0"/>
+              </a:spcBef>
+              <a:spcAft>
+                <a:spcPct val="0"/>
+              </a:spcAft>
+              <a:defRPr sz="2000">
+                <a:solidFill>
+                  <a:schemeClr val="tx1"/>
+                </a:solidFill>
+                <a:latin typeface="Arial"/>
+                <a:ea typeface="ＭＳ Ｐゴシック" pitchFamily="-106" charset="-128"/>
+              </a:defRPr>
+            </a:lvl7pPr>
+            <a:lvl8pPr marL="3429000" indent="-228600" eaLnBrk="0" fontAlgn="base" hangingPunct="0">
+              <a:spcBef>
+                <a:spcPct val="0"/>
+              </a:spcBef>
+              <a:spcAft>
+                <a:spcPct val="0"/>
+              </a:spcAft>
+              <a:defRPr sz="2000">
+                <a:solidFill>
+                  <a:schemeClr val="tx1"/>
+                </a:solidFill>
+                <a:latin typeface="Arial"/>
+                <a:ea typeface="ＭＳ Ｐゴシック" pitchFamily="-106" charset="-128"/>
+              </a:defRPr>
+            </a:lvl8pPr>
+            <a:lvl9pPr marL="3886200" indent="-228600" eaLnBrk="0" fontAlgn="base" hangingPunct="0">
+              <a:spcBef>
+                <a:spcPct val="0"/>
+              </a:spcBef>
+              <a:spcAft>
+                <a:spcPct val="0"/>
+              </a:spcAft>
+              <a:defRPr sz="2000">
+                <a:solidFill>
+                  <a:schemeClr val="tx1"/>
+                </a:solidFill>
+                <a:latin typeface="Arial"/>
+                <a:ea typeface="ＭＳ Ｐゴシック" pitchFamily="-106" charset="-128"/>
+              </a:defRPr>
+            </a:lvl9pPr>
+          </a:lstStyle>
           <a:p>
             <a:pPr algn="just">
               <a:lnSpc>
@@ -5087,49 +5249,22 @@
               </a:lnSpc>
             </a:pPr>
             <a:r>
-              <a:rPr lang="en-US" sz="3200" dirty="0">
+              <a:rPr lang="en-US" sz="3300" dirty="0">
                 <a:latin typeface="Times New Roman" panose="02020603050405020304" pitchFamily="18" charset="0"/>
                 <a:ea typeface="Open Sans" panose="020B0606030504020204" pitchFamily="34" charset="0"/>
                 <a:cs typeface="Times New Roman" panose="02020603050405020304" pitchFamily="18" charset="0"/>
               </a:rPr>
-              <a:t>The pollster and the year themselves also produce systematic error in polls that you should be aware of.</a:t>
-            </a:r>
-          </a:p>
-          <a:p>
-            <a:pPr algn="just">
-              <a:lnSpc>
-                <a:spcPct val="110000"/>
-              </a:lnSpc>
-            </a:pPr>
-            <a:endParaRPr lang="en-US" sz="3200" dirty="0">
-              <a:latin typeface="Times New Roman" panose="02020603050405020304" pitchFamily="18" charset="0"/>
-              <a:ea typeface="Open Sans" panose="020B0606030504020204" pitchFamily="34" charset="0"/>
-              <a:cs typeface="Times New Roman" panose="02020603050405020304" pitchFamily="18" charset="0"/>
-            </a:endParaRPr>
-          </a:p>
-          <a:p>
-            <a:pPr algn="just">
-              <a:lnSpc>
-                <a:spcPct val="110000"/>
-              </a:lnSpc>
-            </a:pPr>
-            <a:r>
-              <a:rPr lang="en-US" sz="3200" dirty="0">
-                <a:latin typeface="Times New Roman" panose="02020603050405020304" pitchFamily="18" charset="0"/>
-                <a:ea typeface="Open Sans" panose="020B0606030504020204" pitchFamily="34" charset="0"/>
-                <a:cs typeface="Times New Roman" panose="02020603050405020304" pitchFamily="18" charset="0"/>
-              </a:rPr>
-              <a:t>Also, each of these variables' effects are different for the Bias of the Margin, Democratic Error, and Republican Error.</a:t>
+              <a:t>A special thanks goes to Jake Price for being a wonderful research advisor and to the Agricola fund donors for funding my research. </a:t>
             </a:r>
           </a:p>
         </p:txBody>
       </p:sp>
       <p:sp>
         <p:nvSpPr>
-          <p:cNvPr id="25" name="Rectangle 10">
+          <p:cNvPr id="29" name="Rectangle 10">
             <a:extLst>
               <a:ext uri="{FF2B5EF4-FFF2-40B4-BE49-F238E27FC236}">
-                <a16:creationId xmlns:a16="http://schemas.microsoft.com/office/drawing/2014/main" id="{3134479B-87AD-48CB-BE42-1B7030F3B1C7}"/>
+                <a16:creationId xmlns:a16="http://schemas.microsoft.com/office/drawing/2014/main" id="{B159E2ED-58ED-4C4D-AADA-65963204CFC8}"/>
               </a:ext>
             </a:extLst>
           </p:cNvPr>
@@ -5140,7 +5275,7 @@
         </p:nvSpPr>
         <p:spPr bwMode="auto">
           <a:xfrm>
-            <a:off x="33518658" y="23139995"/>
+            <a:off x="33600476" y="29524489"/>
             <a:ext cx="9601200" cy="873301"/>
           </a:xfrm>
           <a:prstGeom prst="rect">
@@ -5172,414 +5307,7 @@
                 </a:solidFill>
                 <a:latin typeface="Nunito" panose="00000500000000000000" pitchFamily="2" charset="0"/>
               </a:rPr>
-              <a:t>Further Research</a:t>
-            </a:r>
-          </a:p>
-        </p:txBody>
-      </p:sp>
-      <p:sp>
-        <p:nvSpPr>
-          <p:cNvPr id="28" name="TextBox 19">
-            <a:extLst>
-              <a:ext uri="{FF2B5EF4-FFF2-40B4-BE49-F238E27FC236}">
-                <a16:creationId xmlns:a16="http://schemas.microsoft.com/office/drawing/2014/main" id="{6258151E-49CC-4DED-BAB7-C6568770CA38}"/>
-              </a:ext>
-            </a:extLst>
-          </p:cNvPr>
-          <p:cNvSpPr txBox="1">
-            <a:spLocks noChangeArrowheads="1"/>
-          </p:cNvSpPr>
-          <p:nvPr/>
-        </p:nvSpPr>
-        <p:spPr bwMode="auto">
-          <a:xfrm>
-            <a:off x="33619849" y="28491125"/>
-            <a:ext cx="9601200" cy="1727695"/>
-          </a:xfrm>
-          <a:prstGeom prst="rect">
-            <a:avLst/>
-          </a:prstGeom>
-          <a:noFill/>
-          <a:ln>
-            <a:noFill/>
-          </a:ln>
-          <a:extLst>
-            <a:ext uri="{909E8E84-426E-40DD-AFC4-6F175D3DCCD1}">
-              <a14:hiddenFill xmlns:a14="http://schemas.microsoft.com/office/drawing/2010/main">
-                <a:solidFill>
-                  <a:srgbClr val="FFFFFF"/>
-                </a:solidFill>
-              </a14:hiddenFill>
-            </a:ext>
-            <a:ext uri="{91240B29-F687-4F45-9708-019B960494DF}">
-              <a14:hiddenLine xmlns:a14="http://schemas.microsoft.com/office/drawing/2010/main" w="9525">
-                <a:solidFill>
-                  <a:srgbClr val="000000"/>
-                </a:solidFill>
-                <a:miter lim="800000"/>
-                <a:headEnd/>
-                <a:tailEnd/>
-              </a14:hiddenLine>
-            </a:ext>
-          </a:extLst>
-        </p:spPr>
-        <p:txBody>
-          <a:bodyPr wrap="square" lIns="91418" tIns="45709" rIns="91418" bIns="45709">
-            <a:spAutoFit/>
-          </a:bodyPr>
-          <a:lstStyle>
-            <a:defPPr>
-              <a:defRPr kern="1200" smtId="4294967295"/>
-            </a:defPPr>
-            <a:lvl1pPr eaLnBrk="0" hangingPunct="0">
-              <a:defRPr sz="2000">
-                <a:solidFill>
-                  <a:schemeClr val="tx1"/>
-                </a:solidFill>
-                <a:latin typeface="Arial"/>
-                <a:ea typeface="ＭＳ Ｐゴシック" pitchFamily="-106" charset="-128"/>
-              </a:defRPr>
-            </a:lvl1pPr>
-            <a:lvl2pPr eaLnBrk="0" hangingPunct="0">
-              <a:defRPr sz="2000">
-                <a:solidFill>
-                  <a:schemeClr val="tx1"/>
-                </a:solidFill>
-                <a:latin typeface="Arial"/>
-                <a:ea typeface="ＭＳ Ｐゴシック" pitchFamily="-106" charset="-128"/>
-              </a:defRPr>
-            </a:lvl2pPr>
-            <a:lvl3pPr marL="1143000" indent="-228600" eaLnBrk="0" hangingPunct="0">
-              <a:defRPr sz="2000">
-                <a:solidFill>
-                  <a:schemeClr val="tx1"/>
-                </a:solidFill>
-                <a:latin typeface="Arial"/>
-                <a:ea typeface="ＭＳ Ｐゴシック" pitchFamily="-106" charset="-128"/>
-              </a:defRPr>
-            </a:lvl3pPr>
-            <a:lvl4pPr marL="1600200" indent="-228600" eaLnBrk="0" hangingPunct="0">
-              <a:defRPr sz="2000">
-                <a:solidFill>
-                  <a:schemeClr val="tx1"/>
-                </a:solidFill>
-                <a:latin typeface="Arial"/>
-                <a:ea typeface="ＭＳ Ｐゴシック" pitchFamily="-106" charset="-128"/>
-              </a:defRPr>
-            </a:lvl4pPr>
-            <a:lvl5pPr marL="2057400" indent="-228600" eaLnBrk="0" hangingPunct="0">
-              <a:defRPr sz="2000">
-                <a:solidFill>
-                  <a:schemeClr val="tx1"/>
-                </a:solidFill>
-                <a:latin typeface="Arial"/>
-                <a:ea typeface="ＭＳ Ｐゴシック" pitchFamily="-106" charset="-128"/>
-              </a:defRPr>
-            </a:lvl5pPr>
-            <a:lvl6pPr marL="2514600" indent="-228600" eaLnBrk="0" fontAlgn="base" hangingPunct="0">
-              <a:spcBef>
-                <a:spcPct val="0"/>
-              </a:spcBef>
-              <a:spcAft>
-                <a:spcPct val="0"/>
-              </a:spcAft>
-              <a:defRPr sz="2000">
-                <a:solidFill>
-                  <a:schemeClr val="tx1"/>
-                </a:solidFill>
-                <a:latin typeface="Arial"/>
-                <a:ea typeface="ＭＳ Ｐゴシック" pitchFamily="-106" charset="-128"/>
-              </a:defRPr>
-            </a:lvl6pPr>
-            <a:lvl7pPr marL="2971800" indent="-228600" eaLnBrk="0" fontAlgn="base" hangingPunct="0">
-              <a:spcBef>
-                <a:spcPct val="0"/>
-              </a:spcBef>
-              <a:spcAft>
-                <a:spcPct val="0"/>
-              </a:spcAft>
-              <a:defRPr sz="2000">
-                <a:solidFill>
-                  <a:schemeClr val="tx1"/>
-                </a:solidFill>
-                <a:latin typeface="Arial"/>
-                <a:ea typeface="ＭＳ Ｐゴシック" pitchFamily="-106" charset="-128"/>
-              </a:defRPr>
-            </a:lvl7pPr>
-            <a:lvl8pPr marL="3429000" indent="-228600" eaLnBrk="0" fontAlgn="base" hangingPunct="0">
-              <a:spcBef>
-                <a:spcPct val="0"/>
-              </a:spcBef>
-              <a:spcAft>
-                <a:spcPct val="0"/>
-              </a:spcAft>
-              <a:defRPr sz="2000">
-                <a:solidFill>
-                  <a:schemeClr val="tx1"/>
-                </a:solidFill>
-                <a:latin typeface="Arial"/>
-                <a:ea typeface="ＭＳ Ｐゴシック" pitchFamily="-106" charset="-128"/>
-              </a:defRPr>
-            </a:lvl8pPr>
-            <a:lvl9pPr marL="3886200" indent="-228600" eaLnBrk="0" fontAlgn="base" hangingPunct="0">
-              <a:spcBef>
-                <a:spcPct val="0"/>
-              </a:spcBef>
-              <a:spcAft>
-                <a:spcPct val="0"/>
-              </a:spcAft>
-              <a:defRPr sz="2000">
-                <a:solidFill>
-                  <a:schemeClr val="tx1"/>
-                </a:solidFill>
-                <a:latin typeface="Arial"/>
-                <a:ea typeface="ＭＳ Ｐゴシック" pitchFamily="-106" charset="-128"/>
-              </a:defRPr>
-            </a:lvl9pPr>
-          </a:lstStyle>
-          <a:p>
-            <a:pPr algn="just">
-              <a:lnSpc>
-                <a:spcPct val="110000"/>
-              </a:lnSpc>
-            </a:pPr>
-            <a:r>
-              <a:rPr lang="en-US" sz="3300" dirty="0">
-                <a:latin typeface="Times New Roman" panose="02020603050405020304" pitchFamily="18" charset="0"/>
-                <a:ea typeface="Open Sans" panose="020B0606030504020204" pitchFamily="34" charset="0"/>
-                <a:cs typeface="Times New Roman" panose="02020603050405020304" pitchFamily="18" charset="0"/>
-              </a:rPr>
-              <a:t>A special thanks goes to Jake Price for being a wonderful research advisor and to the Agricola fund donors for funding my research. </a:t>
-            </a:r>
-          </a:p>
-        </p:txBody>
-      </p:sp>
-      <p:sp>
-        <p:nvSpPr>
-          <p:cNvPr id="29" name="Rectangle 10">
-            <a:extLst>
-              <a:ext uri="{FF2B5EF4-FFF2-40B4-BE49-F238E27FC236}">
-                <a16:creationId xmlns:a16="http://schemas.microsoft.com/office/drawing/2014/main" id="{B159E2ED-58ED-4C4D-AADA-65963204CFC8}"/>
-              </a:ext>
-            </a:extLst>
-          </p:cNvPr>
-          <p:cNvSpPr>
-            <a:spLocks noChangeArrowheads="1"/>
-          </p:cNvSpPr>
-          <p:nvPr/>
-        </p:nvSpPr>
-        <p:spPr bwMode="auto">
-          <a:xfrm>
-            <a:off x="33619849" y="27178955"/>
-            <a:ext cx="9601200" cy="873301"/>
-          </a:xfrm>
-          <a:prstGeom prst="rect">
-            <a:avLst/>
-          </a:prstGeom>
-          <a:solidFill>
-            <a:srgbClr val="A0BEC8"/>
-          </a:solidFill>
-          <a:ln w="12700">
-            <a:noFill/>
-            <a:miter lim="800000"/>
-          </a:ln>
-        </p:spPr>
-        <p:txBody>
-          <a:bodyPr wrap="none" lIns="274320" tIns="73152" rIns="274320" bIns="68563" anchor="ctr" anchorCtr="0"/>
-          <a:lstStyle>
-            <a:defPPr>
-              <a:defRPr kern="1200" smtId="4294967295"/>
-            </a:defPPr>
-          </a:lstStyle>
-          <a:p>
-            <a:pPr algn="ctr" defTabSz="4702588">
-              <a:defRPr/>
-            </a:pPr>
-            <a:r>
-              <a:rPr lang="en-US" sz="3600" b="1">
-                <a:solidFill>
-                  <a:schemeClr val="bg1"/>
-                </a:solidFill>
-                <a:latin typeface="Nunito" panose="00000500000000000000" pitchFamily="2" charset="0"/>
-              </a:rPr>
               <a:t>Acknowledgements</a:t>
-            </a:r>
-          </a:p>
-        </p:txBody>
-      </p:sp>
-      <p:sp>
-        <p:nvSpPr>
-          <p:cNvPr id="30" name="TextBox 19">
-            <a:extLst>
-              <a:ext uri="{FF2B5EF4-FFF2-40B4-BE49-F238E27FC236}">
-                <a16:creationId xmlns:a16="http://schemas.microsoft.com/office/drawing/2014/main" id="{418E6029-BC8D-48A6-B73A-6AF8EE0DED0C}"/>
-              </a:ext>
-            </a:extLst>
-          </p:cNvPr>
-          <p:cNvSpPr txBox="1">
-            <a:spLocks noChangeArrowheads="1"/>
-          </p:cNvSpPr>
-          <p:nvPr/>
-        </p:nvSpPr>
-        <p:spPr bwMode="auto">
-          <a:xfrm>
-            <a:off x="33518658" y="24445906"/>
-            <a:ext cx="9601200" cy="2219816"/>
-          </a:xfrm>
-          <a:prstGeom prst="rect">
-            <a:avLst/>
-          </a:prstGeom>
-          <a:noFill/>
-          <a:ln>
-            <a:noFill/>
-          </a:ln>
-          <a:extLst>
-            <a:ext uri="{909E8E84-426E-40DD-AFC4-6F175D3DCCD1}">
-              <a14:hiddenFill xmlns:a14="http://schemas.microsoft.com/office/drawing/2010/main">
-                <a:solidFill>
-                  <a:srgbClr val="FFFFFF"/>
-                </a:solidFill>
-              </a14:hiddenFill>
-            </a:ext>
-            <a:ext uri="{91240B29-F687-4F45-9708-019B960494DF}">
-              <a14:hiddenLine xmlns:a14="http://schemas.microsoft.com/office/drawing/2010/main" w="9525">
-                <a:solidFill>
-                  <a:srgbClr val="000000"/>
-                </a:solidFill>
-                <a:miter lim="800000"/>
-                <a:headEnd/>
-                <a:tailEnd/>
-              </a14:hiddenLine>
-            </a:ext>
-          </a:extLst>
-        </p:spPr>
-        <p:txBody>
-          <a:bodyPr wrap="square" lIns="91418" tIns="45709" rIns="91418" bIns="45709">
-            <a:spAutoFit/>
-          </a:bodyPr>
-          <a:lstStyle>
-            <a:defPPr>
-              <a:defRPr kern="1200" smtId="4294967295"/>
-            </a:defPPr>
-            <a:lvl1pPr eaLnBrk="0" hangingPunct="0">
-              <a:defRPr sz="2000">
-                <a:solidFill>
-                  <a:schemeClr val="tx1"/>
-                </a:solidFill>
-                <a:latin typeface="Arial"/>
-                <a:ea typeface="ＭＳ Ｐゴシック" pitchFamily="-106" charset="-128"/>
-              </a:defRPr>
-            </a:lvl1pPr>
-            <a:lvl2pPr eaLnBrk="0" hangingPunct="0">
-              <a:defRPr sz="2000">
-                <a:solidFill>
-                  <a:schemeClr val="tx1"/>
-                </a:solidFill>
-                <a:latin typeface="Arial"/>
-                <a:ea typeface="ＭＳ Ｐゴシック" pitchFamily="-106" charset="-128"/>
-              </a:defRPr>
-            </a:lvl2pPr>
-            <a:lvl3pPr marL="1143000" indent="-228600" eaLnBrk="0" hangingPunct="0">
-              <a:defRPr sz="2000">
-                <a:solidFill>
-                  <a:schemeClr val="tx1"/>
-                </a:solidFill>
-                <a:latin typeface="Arial"/>
-                <a:ea typeface="ＭＳ Ｐゴシック" pitchFamily="-106" charset="-128"/>
-              </a:defRPr>
-            </a:lvl3pPr>
-            <a:lvl4pPr marL="1600200" indent="-228600" eaLnBrk="0" hangingPunct="0">
-              <a:defRPr sz="2000">
-                <a:solidFill>
-                  <a:schemeClr val="tx1"/>
-                </a:solidFill>
-                <a:latin typeface="Arial"/>
-                <a:ea typeface="ＭＳ Ｐゴシック" pitchFamily="-106" charset="-128"/>
-              </a:defRPr>
-            </a:lvl4pPr>
-            <a:lvl5pPr marL="2057400" indent="-228600" eaLnBrk="0" hangingPunct="0">
-              <a:defRPr sz="2000">
-                <a:solidFill>
-                  <a:schemeClr val="tx1"/>
-                </a:solidFill>
-                <a:latin typeface="Arial"/>
-                <a:ea typeface="ＭＳ Ｐゴシック" pitchFamily="-106" charset="-128"/>
-              </a:defRPr>
-            </a:lvl5pPr>
-            <a:lvl6pPr marL="2514600" indent="-228600" eaLnBrk="0" fontAlgn="base" hangingPunct="0">
-              <a:spcBef>
-                <a:spcPct val="0"/>
-              </a:spcBef>
-              <a:spcAft>
-                <a:spcPct val="0"/>
-              </a:spcAft>
-              <a:defRPr sz="2000">
-                <a:solidFill>
-                  <a:schemeClr val="tx1"/>
-                </a:solidFill>
-                <a:latin typeface="Arial"/>
-                <a:ea typeface="ＭＳ Ｐゴシック" pitchFamily="-106" charset="-128"/>
-              </a:defRPr>
-            </a:lvl6pPr>
-            <a:lvl7pPr marL="2971800" indent="-228600" eaLnBrk="0" fontAlgn="base" hangingPunct="0">
-              <a:spcBef>
-                <a:spcPct val="0"/>
-              </a:spcBef>
-              <a:spcAft>
-                <a:spcPct val="0"/>
-              </a:spcAft>
-              <a:defRPr sz="2000">
-                <a:solidFill>
-                  <a:schemeClr val="tx1"/>
-                </a:solidFill>
-                <a:latin typeface="Arial"/>
-                <a:ea typeface="ＭＳ Ｐゴシック" pitchFamily="-106" charset="-128"/>
-              </a:defRPr>
-            </a:lvl7pPr>
-            <a:lvl8pPr marL="3429000" indent="-228600" eaLnBrk="0" fontAlgn="base" hangingPunct="0">
-              <a:spcBef>
-                <a:spcPct val="0"/>
-              </a:spcBef>
-              <a:spcAft>
-                <a:spcPct val="0"/>
-              </a:spcAft>
-              <a:defRPr sz="2000">
-                <a:solidFill>
-                  <a:schemeClr val="tx1"/>
-                </a:solidFill>
-                <a:latin typeface="Arial"/>
-                <a:ea typeface="ＭＳ Ｐゴシック" pitchFamily="-106" charset="-128"/>
-              </a:defRPr>
-            </a:lvl8pPr>
-            <a:lvl9pPr marL="3886200" indent="-228600" eaLnBrk="0" fontAlgn="base" hangingPunct="0">
-              <a:spcBef>
-                <a:spcPct val="0"/>
-              </a:spcBef>
-              <a:spcAft>
-                <a:spcPct val="0"/>
-              </a:spcAft>
-              <a:defRPr sz="2000">
-                <a:solidFill>
-                  <a:schemeClr val="tx1"/>
-                </a:solidFill>
-                <a:latin typeface="Arial"/>
-                <a:ea typeface="ＭＳ Ｐゴシック" pitchFamily="-106" charset="-128"/>
-              </a:defRPr>
-            </a:lvl9pPr>
-          </a:lstStyle>
-          <a:p>
-            <a:pPr algn="just">
-              <a:lnSpc>
-                <a:spcPct val="110000"/>
-              </a:lnSpc>
-            </a:pPr>
-            <a:r>
-              <a:rPr lang="en-US" sz="3200" dirty="0">
-                <a:latin typeface="Times New Roman" panose="02020603050405020304" pitchFamily="18" charset="0"/>
-                <a:ea typeface="Open Sans" panose="020B0606030504020204" pitchFamily="34" charset="0"/>
-                <a:cs typeface="Times New Roman" panose="02020603050405020304" pitchFamily="18" charset="0"/>
-              </a:rPr>
-              <a:t>The model described here could be improved with the inclusion of time series analysis. Additionally, better ways to measure transparency may offer more promising results. </a:t>
             </a:r>
           </a:p>
         </p:txBody>
@@ -5651,8 +5379,8 @@
         </p:nvSpPr>
         <p:spPr>
           <a:xfrm>
-            <a:off x="639337" y="8329029"/>
-            <a:ext cx="9601200" cy="9325630"/>
+            <a:off x="658387" y="8069941"/>
+            <a:ext cx="9601200" cy="7017306"/>
           </a:xfrm>
           <a:prstGeom prst="rect">
             <a:avLst/>
@@ -5700,7 +5428,7 @@
                 <a:latin typeface="Times New Roman" panose="02020603050405020304" pitchFamily="18" charset="0"/>
                 <a:cs typeface="Times New Roman" panose="02020603050405020304" pitchFamily="18" charset="0"/>
               </a:rPr>
-              <a:t>The hierarchical model was able to estimate distributions of true vote share with predictors including but not limited to, poll recency, pollster, delivery mode (i.e. telephone, online, etc.), sample size, and comparing registered voter versus likely voter models. Using this combination of nominal and numerical variables, a posterior model was created that states what percent of vote share is most credible to believe in for past and current elections at both state and national levels.</a:t>
+              <a:t>The hierarchical model was able to estimate distributions of true vote share  with a combination of nominal and numerical variables.</a:t>
             </a:r>
           </a:p>
         </p:txBody>
@@ -5732,8 +5460,8 @@
         </p:blipFill>
         <p:spPr>
           <a:xfrm>
-            <a:off x="516628" y="21146264"/>
-            <a:ext cx="10202534" cy="7655517"/>
+            <a:off x="-10282" y="19153962"/>
+            <a:ext cx="11887814" cy="8920076"/>
           </a:xfrm>
           <a:prstGeom prst="rect">
             <a:avLst/>
@@ -5754,8 +5482,8 @@
         </p:nvSpPr>
         <p:spPr>
           <a:xfrm>
-            <a:off x="473991" y="28639847"/>
-            <a:ext cx="9550390" cy="1938992"/>
+            <a:off x="256070" y="28098076"/>
+            <a:ext cx="9550390" cy="4247317"/>
           </a:xfrm>
           <a:prstGeom prst="rect">
             <a:avLst/>
@@ -5776,35 +5504,12 @@
               <a:t>With the help of JAGS, model diagrams like those above, when converted to model statements, are used to predict the most credible parameter values for every parameter at every step in the model.</a:t>
             </a:r>
           </a:p>
-        </p:txBody>
-      </p:sp>
-      <p:sp>
-        <p:nvSpPr>
-          <p:cNvPr id="5" name="TextBox 4">
-            <a:extLst>
-              <a:ext uri="{FF2B5EF4-FFF2-40B4-BE49-F238E27FC236}">
-                <a16:creationId xmlns:a16="http://schemas.microsoft.com/office/drawing/2014/main" id="{148E3963-12E2-504C-827A-4505A3507BD6}"/>
-              </a:ext>
-            </a:extLst>
-          </p:cNvPr>
-          <p:cNvSpPr txBox="1"/>
-          <p:nvPr/>
-        </p:nvSpPr>
-        <p:spPr>
-          <a:xfrm>
-            <a:off x="396287" y="30958757"/>
-            <a:ext cx="9628094" cy="1477328"/>
-          </a:xfrm>
-          <a:prstGeom prst="rect">
-            <a:avLst/>
-          </a:prstGeom>
-          <a:noFill/>
-        </p:spPr>
-        <p:txBody>
-          <a:bodyPr wrap="square" rtlCol="0">
-            <a:spAutoFit/>
-          </a:bodyPr>
-          <a:lstStyle/>
+          <a:p>
+            <a:endParaRPr lang="en-US" dirty="0">
+              <a:latin typeface="Times New Roman" panose="02020603050405020304" pitchFamily="18" charset="0"/>
+              <a:cs typeface="Times New Roman" panose="02020603050405020304" pitchFamily="18" charset="0"/>
+            </a:endParaRPr>
+          </a:p>
           <a:p>
             <a:r>
               <a:rPr lang="en-US" dirty="0">
@@ -5813,6 +5518,12 @@
               </a:rPr>
               <a:t>Data was retrieved from publicly available repositories. The final models summarized here used FiveThirtyEight’s collection of pollster’s reported results. </a:t>
             </a:r>
+          </a:p>
+          <a:p>
+            <a:endParaRPr lang="en-US" dirty="0">
+              <a:latin typeface="Times New Roman" panose="02020603050405020304" pitchFamily="18" charset="0"/>
+              <a:cs typeface="Times New Roman" panose="02020603050405020304" pitchFamily="18" charset="0"/>
+            </a:endParaRPr>
           </a:p>
         </p:txBody>
       </p:sp>
@@ -5843,8 +5554,8 @@
         </p:blipFill>
         <p:spPr>
           <a:xfrm>
-            <a:off x="21970182" y="13961329"/>
-            <a:ext cx="9787831" cy="6032949"/>
+            <a:off x="22192223" y="15226782"/>
+            <a:ext cx="9787831" cy="6032948"/>
           </a:xfrm>
           <a:prstGeom prst="rect">
             <a:avLst/>
@@ -5878,8 +5589,8 @@
         </p:blipFill>
         <p:spPr>
           <a:xfrm>
-            <a:off x="12210145" y="13921405"/>
-            <a:ext cx="9787832" cy="6032950"/>
+            <a:off x="12117592" y="15266847"/>
+            <a:ext cx="9787832" cy="6032949"/>
           </a:xfrm>
           <a:prstGeom prst="rect">
             <a:avLst/>
@@ -5908,7 +5619,7 @@
         </p:blipFill>
         <p:spPr>
           <a:xfrm>
-            <a:off x="11968904" y="23017721"/>
+            <a:off x="11895638" y="23964097"/>
             <a:ext cx="12745040" cy="5661943"/>
           </a:xfrm>
           <a:prstGeom prst="rect">
@@ -5930,7 +5641,7 @@
         </p:nvGrpSpPr>
         <p:grpSpPr>
           <a:xfrm>
-            <a:off x="25527000" y="23139995"/>
+            <a:off x="25265564" y="23964097"/>
             <a:ext cx="6105270" cy="5681704"/>
             <a:chOff x="5985863" y="238873"/>
             <a:chExt cx="2946599" cy="3038179"/>
@@ -6084,8 +5795,8 @@
         </p:nvSpPr>
         <p:spPr>
           <a:xfrm>
-            <a:off x="11937273" y="29320572"/>
-            <a:ext cx="20016654" cy="1077218"/>
+            <a:off x="11695141" y="30221735"/>
+            <a:ext cx="20016654" cy="1569660"/>
           </a:xfrm>
           <a:prstGeom prst="rect">
             <a:avLst/>
@@ -6103,7 +5814,7 @@
                 <a:latin typeface="Times New Roman" panose="02020603050405020304" pitchFamily="18" charset="0"/>
                 <a:cs typeface="Times New Roman" panose="02020603050405020304" pitchFamily="18" charset="0"/>
               </a:rPr>
-              <a:t>There is a relationship between democratic error and republican error, but it’s certainty not a perfect 1 to 1 relationship, and it varies by pollster and by year. </a:t>
+              <a:t>There is a relationship between democratic error and republican error, but it’s certainty not a perfect one-to-one relationship. Because of this relationship, republican error can also be modeled for any given poll with just two numerical predictors: democratic error and undecided voter percentage. </a:t>
             </a:r>
           </a:p>
         </p:txBody>
@@ -6158,160 +5869,6 @@
               </a:rPr>
               <a:t>What’s in a Model?</a:t>
             </a:r>
-          </a:p>
-        </p:txBody>
-      </p:sp>
-      <p:sp>
-        <p:nvSpPr>
-          <p:cNvPr id="12" name="TextBox 11">
-            <a:extLst>
-              <a:ext uri="{FF2B5EF4-FFF2-40B4-BE49-F238E27FC236}">
-                <a16:creationId xmlns:a16="http://schemas.microsoft.com/office/drawing/2014/main" id="{F457573A-EA9A-4047-95D7-FB2A7A92529E}"/>
-              </a:ext>
-            </a:extLst>
-          </p:cNvPr>
-          <p:cNvSpPr txBox="1"/>
-          <p:nvPr/>
-        </p:nvSpPr>
-        <p:spPr>
-          <a:xfrm>
-            <a:off x="12007961" y="7968020"/>
-            <a:ext cx="20152179" cy="6555641"/>
-          </a:xfrm>
-          <a:prstGeom prst="rect">
-            <a:avLst/>
-          </a:prstGeom>
-          <a:noFill/>
-        </p:spPr>
-        <p:txBody>
-          <a:bodyPr wrap="square" rtlCol="0">
-            <a:spAutoFit/>
-          </a:bodyPr>
-          <a:lstStyle/>
-          <a:p>
-            <a:r>
-              <a:rPr lang="en-US" dirty="0">
-                <a:latin typeface="Times New Roman" panose="02020603050405020304" pitchFamily="18" charset="0"/>
-                <a:cs typeface="Times New Roman" panose="02020603050405020304" pitchFamily="18" charset="0"/>
-              </a:rPr>
-              <a:t>Variables that ended up in use in the final model:</a:t>
-            </a:r>
-          </a:p>
-          <a:p>
-            <a:endParaRPr lang="en-US" dirty="0">
-              <a:latin typeface="Times New Roman" panose="02020603050405020304" pitchFamily="18" charset="0"/>
-              <a:cs typeface="Times New Roman" panose="02020603050405020304" pitchFamily="18" charset="0"/>
-            </a:endParaRPr>
-          </a:p>
-          <a:p>
-            <a:pPr marL="457200" indent="-457200">
-              <a:buFont typeface="Arial" panose="020B0604020202020204" pitchFamily="34" charset="0"/>
-              <a:buChar char="•"/>
-            </a:pPr>
-            <a:r>
-              <a:rPr lang="en-US" dirty="0">
-                <a:latin typeface="Times New Roman" panose="02020603050405020304" pitchFamily="18" charset="0"/>
-                <a:cs typeface="Times New Roman" panose="02020603050405020304" pitchFamily="18" charset="0"/>
-              </a:rPr>
-              <a:t>Year</a:t>
-            </a:r>
-          </a:p>
-          <a:p>
-            <a:pPr marL="457200" indent="-457200">
-              <a:buFont typeface="Arial" panose="020B0604020202020204" pitchFamily="34" charset="0"/>
-              <a:buChar char="•"/>
-            </a:pPr>
-            <a:r>
-              <a:rPr lang="en-US" dirty="0">
-                <a:latin typeface="Times New Roman" panose="02020603050405020304" pitchFamily="18" charset="0"/>
-                <a:cs typeface="Times New Roman" panose="02020603050405020304" pitchFamily="18" charset="0"/>
-              </a:rPr>
-              <a:t>Delivery Mode: How the poll was conducted – Online? Over the phone? With a live operator? A robot caller?</a:t>
-            </a:r>
-          </a:p>
-          <a:p>
-            <a:pPr marL="457200" indent="-457200">
-              <a:buFont typeface="Arial" panose="020B0604020202020204" pitchFamily="34" charset="0"/>
-              <a:buChar char="•"/>
-            </a:pPr>
-            <a:r>
-              <a:rPr lang="en-US" dirty="0">
-                <a:latin typeface="Times New Roman" panose="02020603050405020304" pitchFamily="18" charset="0"/>
-                <a:cs typeface="Times New Roman" panose="02020603050405020304" pitchFamily="18" charset="0"/>
-              </a:rPr>
-              <a:t>Pollster: What company or institution is conducting the poll?</a:t>
-            </a:r>
-          </a:p>
-          <a:p>
-            <a:pPr marL="457200" indent="-457200">
-              <a:buFont typeface="Arial" panose="020B0604020202020204" pitchFamily="34" charset="0"/>
-              <a:buChar char="•"/>
-            </a:pPr>
-            <a:r>
-              <a:rPr lang="en-US" dirty="0">
-                <a:latin typeface="Times New Roman" panose="02020603050405020304" pitchFamily="18" charset="0"/>
-                <a:cs typeface="Times New Roman" panose="02020603050405020304" pitchFamily="18" charset="0"/>
-              </a:rPr>
-              <a:t>Transparency: A yes/no dummy variable measured by if the pollster participates in the American Association for Public Opinion Research’s Transparency Initiative and/or the Roper Center for Public Opinion Research (two organizations that promote transparency in polling)</a:t>
-            </a:r>
-          </a:p>
-          <a:p>
-            <a:pPr marL="457200" indent="-457200">
-              <a:buFont typeface="Arial" panose="020B0604020202020204" pitchFamily="34" charset="0"/>
-              <a:buChar char="•"/>
-            </a:pPr>
-            <a:r>
-              <a:rPr lang="en-US" dirty="0">
-                <a:latin typeface="Times New Roman" panose="02020603050405020304" pitchFamily="18" charset="0"/>
-                <a:cs typeface="Times New Roman" panose="02020603050405020304" pitchFamily="18" charset="0"/>
-              </a:rPr>
-              <a:t>Sample Size: the number of respondents to the poll</a:t>
-            </a:r>
-          </a:p>
-          <a:p>
-            <a:pPr marL="457200" indent="-457200">
-              <a:buFont typeface="Arial" panose="020B0604020202020204" pitchFamily="34" charset="0"/>
-              <a:buChar char="•"/>
-            </a:pPr>
-            <a:r>
-              <a:rPr lang="en-US" dirty="0">
-                <a:latin typeface="Times New Roman" panose="02020603050405020304" pitchFamily="18" charset="0"/>
-                <a:cs typeface="Times New Roman" panose="02020603050405020304" pitchFamily="18" charset="0"/>
-              </a:rPr>
-              <a:t>Likely Voter versus Registered Voter Model</a:t>
-            </a:r>
-          </a:p>
-          <a:p>
-            <a:pPr marL="457200" indent="-457200">
-              <a:buFont typeface="Arial" panose="020B0604020202020204" pitchFamily="34" charset="0"/>
-              <a:buChar char="•"/>
-            </a:pPr>
-            <a:endParaRPr lang="en-US" dirty="0">
-              <a:latin typeface="Times New Roman" panose="02020603050405020304" pitchFamily="18" charset="0"/>
-              <a:cs typeface="Times New Roman" panose="02020603050405020304" pitchFamily="18" charset="0"/>
-            </a:endParaRPr>
-          </a:p>
-          <a:p>
-            <a:pPr marL="457200" indent="-457200">
-              <a:buFont typeface="Arial" panose="020B0604020202020204" pitchFamily="34" charset="0"/>
-              <a:buChar char="•"/>
-            </a:pPr>
-            <a:endParaRPr lang="en-US" dirty="0">
-              <a:latin typeface="Times New Roman" panose="02020603050405020304" pitchFamily="18" charset="0"/>
-              <a:cs typeface="Times New Roman" panose="02020603050405020304" pitchFamily="18" charset="0"/>
-            </a:endParaRPr>
-          </a:p>
-          <a:p>
-            <a:endParaRPr lang="en-US" dirty="0">
-              <a:latin typeface="Times New Roman" panose="02020603050405020304" pitchFamily="18" charset="0"/>
-              <a:cs typeface="Times New Roman" panose="02020603050405020304" pitchFamily="18" charset="0"/>
-            </a:endParaRPr>
-          </a:p>
-          <a:p>
-            <a:endParaRPr lang="en-US" dirty="0">
-              <a:latin typeface="Times New Roman" panose="02020603050405020304" pitchFamily="18" charset="0"/>
-              <a:cs typeface="Times New Roman" panose="02020603050405020304" pitchFamily="18" charset="0"/>
-            </a:endParaRPr>
           </a:p>
         </p:txBody>
       </p:sp>
@@ -6389,16 +5946,1194 @@
         </p:nvPicPr>
         <p:blipFill>
           <a:blip r:embed="rId9">
-            <a:alphaModFix amt="85000"/>
+            <a:extLst>
+              <a:ext uri="{28A0092B-C50C-407E-A947-70E740481C1C}">
+                <a14:useLocalDpi xmlns:a14="http://schemas.microsoft.com/office/drawing/2010/main" val="0"/>
+              </a:ext>
+            </a:extLst>
           </a:blip>
-          <a:stretch>
-            <a:fillRect/>
-          </a:stretch>
+          <a:srcRect/>
+          <a:stretch/>
         </p:blipFill>
         <p:spPr>
           <a:xfrm>
-            <a:off x="33518658" y="8128361"/>
-            <a:ext cx="9803582" cy="6004022"/>
+            <a:off x="33518658" y="8465939"/>
+            <a:ext cx="9803582" cy="5328865"/>
+          </a:xfrm>
+          <a:prstGeom prst="rect">
+            <a:avLst/>
+          </a:prstGeom>
+        </p:spPr>
+      </p:pic>
+      <p:pic>
+        <p:nvPicPr>
+          <p:cNvPr id="15" name="Picture 14">
+            <a:extLst>
+              <a:ext uri="{FF2B5EF4-FFF2-40B4-BE49-F238E27FC236}">
+                <a16:creationId xmlns:a16="http://schemas.microsoft.com/office/drawing/2014/main" id="{F558707C-F84F-744A-8DF5-E718200F8171}"/>
+              </a:ext>
+            </a:extLst>
+          </p:cNvPr>
+          <p:cNvPicPr>
+            <a:picLocks noChangeAspect="1"/>
+          </p:cNvPicPr>
+          <p:nvPr/>
+        </p:nvPicPr>
+        <p:blipFill rotWithShape="1">
+          <a:blip r:embed="rId10">
+            <a:extLst>
+              <a:ext uri="{28A0092B-C50C-407E-A947-70E740481C1C}">
+                <a14:useLocalDpi xmlns:a14="http://schemas.microsoft.com/office/drawing/2010/main" val="0"/>
+              </a:ext>
+            </a:extLst>
+          </a:blip>
+          <a:srcRect t="19123" b="16235"/>
+          <a:stretch/>
+        </p:blipFill>
+        <p:spPr>
+          <a:xfrm>
+            <a:off x="37471064" y="19049981"/>
+            <a:ext cx="6435376" cy="4159932"/>
+          </a:xfrm>
+          <a:prstGeom prst="rect">
+            <a:avLst/>
+          </a:prstGeom>
+        </p:spPr>
+      </p:pic>
+      <p:pic>
+        <p:nvPicPr>
+          <p:cNvPr id="38" name="Picture 37">
+            <a:extLst>
+              <a:ext uri="{FF2B5EF4-FFF2-40B4-BE49-F238E27FC236}">
+                <a16:creationId xmlns:a16="http://schemas.microsoft.com/office/drawing/2014/main" id="{F8199D17-D18E-0C48-AD79-329A134C8A7A}"/>
+              </a:ext>
+            </a:extLst>
+          </p:cNvPr>
+          <p:cNvPicPr>
+            <a:picLocks noChangeAspect="1"/>
+          </p:cNvPicPr>
+          <p:nvPr/>
+        </p:nvPicPr>
+        <p:blipFill rotWithShape="1">
+          <a:blip r:embed="rId11">
+            <a:extLst>
+              <a:ext uri="{28A0092B-C50C-407E-A947-70E740481C1C}">
+                <a14:useLocalDpi xmlns:a14="http://schemas.microsoft.com/office/drawing/2010/main" val="0"/>
+              </a:ext>
+            </a:extLst>
+          </a:blip>
+          <a:srcRect b="15784"/>
+          <a:stretch/>
+        </p:blipFill>
+        <p:spPr>
+          <a:xfrm>
+            <a:off x="32826404" y="18463347"/>
+            <a:ext cx="5661130" cy="4767603"/>
+          </a:xfrm>
+          <a:prstGeom prst="rect">
+            <a:avLst/>
+          </a:prstGeom>
+        </p:spPr>
+      </p:pic>
+      <p:pic>
+        <p:nvPicPr>
+          <p:cNvPr id="40" name="Picture 39">
+            <a:extLst>
+              <a:ext uri="{FF2B5EF4-FFF2-40B4-BE49-F238E27FC236}">
+                <a16:creationId xmlns:a16="http://schemas.microsoft.com/office/drawing/2014/main" id="{EC902C72-C751-C249-9406-B1B66F980991}"/>
+              </a:ext>
+            </a:extLst>
+          </p:cNvPr>
+          <p:cNvPicPr>
+            <a:picLocks noChangeAspect="1"/>
+          </p:cNvPicPr>
+          <p:nvPr/>
+        </p:nvPicPr>
+        <p:blipFill rotWithShape="1">
+          <a:blip r:embed="rId12">
+            <a:extLst>
+              <a:ext uri="{28A0092B-C50C-407E-A947-70E740481C1C}">
+                <a14:useLocalDpi xmlns:a14="http://schemas.microsoft.com/office/drawing/2010/main" val="0"/>
+              </a:ext>
+            </a:extLst>
+          </a:blip>
+          <a:srcRect b="15544"/>
+          <a:stretch/>
+        </p:blipFill>
+        <p:spPr>
+          <a:xfrm>
+            <a:off x="32908732" y="23209913"/>
+            <a:ext cx="5144715" cy="4345050"/>
+          </a:xfrm>
+          <a:prstGeom prst="rect">
+            <a:avLst/>
+          </a:prstGeom>
+        </p:spPr>
+      </p:pic>
+      <p:pic>
+        <p:nvPicPr>
+          <p:cNvPr id="41" name="Picture 40">
+            <a:extLst>
+              <a:ext uri="{FF2B5EF4-FFF2-40B4-BE49-F238E27FC236}">
+                <a16:creationId xmlns:a16="http://schemas.microsoft.com/office/drawing/2014/main" id="{9D5FDD8B-0394-A049-8444-9FB0AB7D4E45}"/>
+              </a:ext>
+            </a:extLst>
+          </p:cNvPr>
+          <p:cNvPicPr>
+            <a:picLocks noChangeAspect="1"/>
+          </p:cNvPicPr>
+          <p:nvPr/>
+        </p:nvPicPr>
+        <p:blipFill rotWithShape="1">
+          <a:blip r:embed="rId13">
+            <a:extLst>
+              <a:ext uri="{28A0092B-C50C-407E-A947-70E740481C1C}">
+                <a14:useLocalDpi xmlns:a14="http://schemas.microsoft.com/office/drawing/2010/main" val="0"/>
+              </a:ext>
+            </a:extLst>
+          </a:blip>
+          <a:srcRect b="15543"/>
+          <a:stretch/>
+        </p:blipFill>
+        <p:spPr>
+          <a:xfrm>
+            <a:off x="37108913" y="23192916"/>
+            <a:ext cx="6435376" cy="4345051"/>
+          </a:xfrm>
+          <a:prstGeom prst="rect">
+            <a:avLst/>
+          </a:prstGeom>
+        </p:spPr>
+      </p:pic>
+      <p:sp>
+        <p:nvSpPr>
+          <p:cNvPr id="39" name="TextBox 38">
+            <a:extLst>
+              <a:ext uri="{FF2B5EF4-FFF2-40B4-BE49-F238E27FC236}">
+                <a16:creationId xmlns:a16="http://schemas.microsoft.com/office/drawing/2014/main" id="{0BAC4D13-7DC7-1547-BF88-94BBC56DF68C}"/>
+              </a:ext>
+            </a:extLst>
+          </p:cNvPr>
+          <p:cNvSpPr txBox="1"/>
+          <p:nvPr/>
+        </p:nvSpPr>
+        <p:spPr>
+          <a:xfrm>
+            <a:off x="33692364" y="27971778"/>
+            <a:ext cx="9417423" cy="1538883"/>
+          </a:xfrm>
+          <a:prstGeom prst="rect">
+            <a:avLst/>
+          </a:prstGeom>
+          <a:noFill/>
+        </p:spPr>
+        <p:txBody>
+          <a:bodyPr wrap="square" rtlCol="0">
+            <a:spAutoFit/>
+          </a:bodyPr>
+          <a:lstStyle/>
+          <a:p>
+            <a:r>
+              <a:rPr lang="en-US" sz="3200" dirty="0">
+                <a:latin typeface="Times New Roman" panose="02020603050405020304" pitchFamily="18" charset="0"/>
+                <a:ea typeface="Open Sans" panose="020B0606030504020204" pitchFamily="34" charset="0"/>
+                <a:cs typeface="Times New Roman" panose="02020603050405020304" pitchFamily="18" charset="0"/>
+              </a:rPr>
+              <a:t>The pollster and the year themselves also produce systematic error in polls that you should be aware of.</a:t>
+            </a:r>
+          </a:p>
+          <a:p>
+            <a:endParaRPr lang="en-US" dirty="0"/>
+          </a:p>
+        </p:txBody>
+      </p:sp>
+      <p:graphicFrame>
+        <p:nvGraphicFramePr>
+          <p:cNvPr id="42" name="Table 41">
+            <a:extLst>
+              <a:ext uri="{FF2B5EF4-FFF2-40B4-BE49-F238E27FC236}">
+                <a16:creationId xmlns:a16="http://schemas.microsoft.com/office/drawing/2014/main" id="{14A13672-2345-B64F-BD5A-E20117C4256C}"/>
+              </a:ext>
+            </a:extLst>
+          </p:cNvPr>
+          <p:cNvGraphicFramePr>
+            <a:graphicFrameLocks noGrp="1"/>
+          </p:cNvGraphicFramePr>
+          <p:nvPr>
+            <p:extLst>
+              <p:ext uri="{D42A27DB-BD31-4B8C-83A1-F6EECF244321}">
+                <p14:modId xmlns:p14="http://schemas.microsoft.com/office/powerpoint/2010/main" val="1787988312"/>
+              </p:ext>
+            </p:extLst>
+          </p:nvPr>
+        </p:nvGraphicFramePr>
+        <p:xfrm>
+          <a:off x="11963400" y="7961902"/>
+          <a:ext cx="20084416" cy="5756913"/>
+        </p:xfrm>
+        <a:graphic>
+          <a:graphicData uri="http://schemas.openxmlformats.org/drawingml/2006/table">
+            <a:tbl>
+              <a:tblPr firstRow="1" bandRow="1">
+                <a:tableStyleId>{16D9F66E-5EB9-4882-86FB-DCBF35E3C3E4}</a:tableStyleId>
+              </a:tblPr>
+              <a:tblGrid>
+                <a:gridCol w="4046860">
+                  <a:extLst>
+                    <a:ext uri="{9D8B030D-6E8A-4147-A177-3AD203B41FA5}">
+                      <a16:colId xmlns:a16="http://schemas.microsoft.com/office/drawing/2014/main" val="2285599597"/>
+                    </a:ext>
+                  </a:extLst>
+                </a:gridCol>
+                <a:gridCol w="16037556">
+                  <a:extLst>
+                    <a:ext uri="{9D8B030D-6E8A-4147-A177-3AD203B41FA5}">
+                      <a16:colId xmlns:a16="http://schemas.microsoft.com/office/drawing/2014/main" val="2717549950"/>
+                    </a:ext>
+                  </a:extLst>
+                </a:gridCol>
+              </a:tblGrid>
+              <a:tr h="652979">
+                <a:tc>
+                  <a:txBody>
+                    <a:bodyPr/>
+                    <a:lstStyle/>
+                    <a:p>
+                      <a:r>
+                        <a:rPr lang="en-US" sz="3000" dirty="0">
+                          <a:solidFill>
+                            <a:srgbClr val="235078"/>
+                          </a:solidFill>
+                          <a:latin typeface="Times New Roman" panose="02020603050405020304" pitchFamily="18" charset="0"/>
+                          <a:cs typeface="Times New Roman" panose="02020603050405020304" pitchFamily="18" charset="0"/>
+                        </a:rPr>
+                        <a:t>Year</a:t>
+                      </a:r>
+                    </a:p>
+                  </a:txBody>
+                  <a:tcPr>
+                    <a:lnL w="57150" cap="flat" cmpd="sng" algn="ctr">
+                      <a:solidFill>
+                        <a:srgbClr val="235078"/>
+                      </a:solidFill>
+                      <a:prstDash val="solid"/>
+                      <a:round/>
+                      <a:headEnd type="none" w="med" len="med"/>
+                      <a:tailEnd type="none" w="med" len="med"/>
+                    </a:lnL>
+                    <a:lnR w="57150" cap="flat" cmpd="sng" algn="ctr">
+                      <a:solidFill>
+                        <a:srgbClr val="235078"/>
+                      </a:solidFill>
+                      <a:prstDash val="solid"/>
+                      <a:round/>
+                      <a:headEnd type="none" w="med" len="med"/>
+                      <a:tailEnd type="none" w="med" len="med"/>
+                    </a:lnR>
+                    <a:lnT w="57150" cap="flat" cmpd="sng" algn="ctr">
+                      <a:solidFill>
+                        <a:srgbClr val="235078"/>
+                      </a:solidFill>
+                      <a:prstDash val="solid"/>
+                      <a:round/>
+                      <a:headEnd type="none" w="med" len="med"/>
+                      <a:tailEnd type="none" w="med" len="med"/>
+                    </a:lnT>
+                    <a:lnB w="57150" cap="flat" cmpd="sng" algn="ctr">
+                      <a:solidFill>
+                        <a:srgbClr val="235078"/>
+                      </a:solidFill>
+                      <a:prstDash val="solid"/>
+                      <a:round/>
+                      <a:headEnd type="none" w="med" len="med"/>
+                      <a:tailEnd type="none" w="med" len="med"/>
+                    </a:lnB>
+                    <a:solidFill>
+                      <a:srgbClr val="CCECF8"/>
+                    </a:solidFill>
+                  </a:tcPr>
+                </a:tc>
+                <a:tc>
+                  <a:txBody>
+                    <a:bodyPr/>
+                    <a:lstStyle/>
+                    <a:p>
+                      <a:pPr marL="0" marR="0" indent="0" algn="l" defTabSz="914400" rtl="0" eaLnBrk="1" fontAlgn="auto" latinLnBrk="0" hangingPunct="1">
+                        <a:lnSpc>
+                          <a:spcPct val="100000"/>
+                        </a:lnSpc>
+                        <a:spcBef>
+                          <a:spcPts val="0"/>
+                        </a:spcBef>
+                        <a:spcAft>
+                          <a:spcPts val="0"/>
+                        </a:spcAft>
+                        <a:buClrTx/>
+                        <a:buSzTx/>
+                        <a:buFontTx/>
+                        <a:buNone/>
+                        <a:tabLst/>
+                        <a:defRPr/>
+                      </a:pPr>
+                      <a:r>
+                        <a:rPr kumimoji="0" lang="en-US" sz="3000" b="0" i="0" u="none" strike="noStrike" kern="1200" cap="none" spc="0" normalizeH="0" baseline="0" noProof="0" dirty="0">
+                          <a:ln>
+                            <a:noFill/>
+                          </a:ln>
+                          <a:solidFill>
+                            <a:srgbClr val="235078"/>
+                          </a:solidFill>
+                          <a:effectLst/>
+                          <a:uLnTx/>
+                          <a:uFillTx/>
+                          <a:latin typeface="Times New Roman" panose="02020603050405020304" pitchFamily="18" charset="0"/>
+                          <a:cs typeface="Times New Roman" panose="02020603050405020304" pitchFamily="18" charset="0"/>
+                        </a:rPr>
+                        <a:t>What election year was it? 2000, 2004, 2008, 2012, and 2016 included in this model.</a:t>
+                      </a:r>
+                      <a:endParaRPr lang="en-US" sz="3000" b="0" dirty="0">
+                        <a:solidFill>
+                          <a:srgbClr val="235078"/>
+                        </a:solidFill>
+                        <a:latin typeface="Times New Roman" panose="02020603050405020304" pitchFamily="18" charset="0"/>
+                        <a:cs typeface="Times New Roman" panose="02020603050405020304" pitchFamily="18" charset="0"/>
+                      </a:endParaRPr>
+                    </a:p>
+                  </a:txBody>
+                  <a:tcPr>
+                    <a:lnL w="57150" cap="flat" cmpd="sng" algn="ctr">
+                      <a:solidFill>
+                        <a:srgbClr val="235078"/>
+                      </a:solidFill>
+                      <a:prstDash val="solid"/>
+                      <a:round/>
+                      <a:headEnd type="none" w="med" len="med"/>
+                      <a:tailEnd type="none" w="med" len="med"/>
+                    </a:lnL>
+                    <a:lnR w="57150" cap="flat" cmpd="sng" algn="ctr">
+                      <a:solidFill>
+                        <a:srgbClr val="235078"/>
+                      </a:solidFill>
+                      <a:prstDash val="solid"/>
+                      <a:round/>
+                      <a:headEnd type="none" w="med" len="med"/>
+                      <a:tailEnd type="none" w="med" len="med"/>
+                    </a:lnR>
+                    <a:lnT w="57150" cap="flat" cmpd="sng" algn="ctr">
+                      <a:solidFill>
+                        <a:srgbClr val="235078"/>
+                      </a:solidFill>
+                      <a:prstDash val="solid"/>
+                      <a:round/>
+                      <a:headEnd type="none" w="med" len="med"/>
+                      <a:tailEnd type="none" w="med" len="med"/>
+                    </a:lnT>
+                    <a:lnB w="57150" cap="flat" cmpd="sng" algn="ctr">
+                      <a:solidFill>
+                        <a:srgbClr val="235078"/>
+                      </a:solidFill>
+                      <a:prstDash val="solid"/>
+                      <a:round/>
+                      <a:headEnd type="none" w="med" len="med"/>
+                      <a:tailEnd type="none" w="med" len="med"/>
+                    </a:lnB>
+                    <a:solidFill>
+                      <a:srgbClr val="CCECF8"/>
+                    </a:solidFill>
+                  </a:tcPr>
+                </a:tc>
+                <a:extLst>
+                  <a:ext uri="{0D108BD9-81ED-4DB2-BD59-A6C34878D82A}">
+                    <a16:rowId xmlns:a16="http://schemas.microsoft.com/office/drawing/2014/main" val="1321991713"/>
+                  </a:ext>
+                </a:extLst>
+              </a:tr>
+              <a:tr h="612472">
+                <a:tc>
+                  <a:txBody>
+                    <a:bodyPr/>
+                    <a:lstStyle/>
+                    <a:p>
+                      <a:r>
+                        <a:rPr lang="en-US" sz="3000" b="1" dirty="0">
+                          <a:solidFill>
+                            <a:srgbClr val="235078"/>
+                          </a:solidFill>
+                          <a:latin typeface="Times New Roman" panose="02020603050405020304" pitchFamily="18" charset="0"/>
+                          <a:cs typeface="Times New Roman" panose="02020603050405020304" pitchFamily="18" charset="0"/>
+                        </a:rPr>
+                        <a:t>Delivery Mode</a:t>
+                      </a:r>
+                    </a:p>
+                  </a:txBody>
+                  <a:tcPr>
+                    <a:lnL w="57150" cap="flat" cmpd="sng" algn="ctr">
+                      <a:solidFill>
+                        <a:srgbClr val="235078"/>
+                      </a:solidFill>
+                      <a:prstDash val="solid"/>
+                      <a:round/>
+                      <a:headEnd type="none" w="med" len="med"/>
+                      <a:tailEnd type="none" w="med" len="med"/>
+                    </a:lnL>
+                    <a:lnR w="57150" cap="flat" cmpd="sng" algn="ctr">
+                      <a:solidFill>
+                        <a:srgbClr val="235078"/>
+                      </a:solidFill>
+                      <a:prstDash val="solid"/>
+                      <a:round/>
+                      <a:headEnd type="none" w="med" len="med"/>
+                      <a:tailEnd type="none" w="med" len="med"/>
+                    </a:lnR>
+                    <a:lnT w="57150" cap="flat" cmpd="sng" algn="ctr">
+                      <a:solidFill>
+                        <a:srgbClr val="235078"/>
+                      </a:solidFill>
+                      <a:prstDash val="solid"/>
+                      <a:round/>
+                      <a:headEnd type="none" w="med" len="med"/>
+                      <a:tailEnd type="none" w="med" len="med"/>
+                    </a:lnT>
+                    <a:lnB w="57150" cap="flat" cmpd="sng" algn="ctr">
+                      <a:solidFill>
+                        <a:srgbClr val="235078"/>
+                      </a:solidFill>
+                      <a:prstDash val="solid"/>
+                      <a:round/>
+                      <a:headEnd type="none" w="med" len="med"/>
+                      <a:tailEnd type="none" w="med" len="med"/>
+                    </a:lnB>
+                    <a:solidFill>
+                      <a:srgbClr val="CCECF8"/>
+                    </a:solidFill>
+                  </a:tcPr>
+                </a:tc>
+                <a:tc>
+                  <a:txBody>
+                    <a:bodyPr/>
+                    <a:lstStyle/>
+                    <a:p>
+                      <a:pPr marL="0" marR="0" lvl="0" indent="0" algn="l" defTabSz="914400" rtl="0" eaLnBrk="1" fontAlgn="auto" latinLnBrk="0" hangingPunct="1">
+                        <a:lnSpc>
+                          <a:spcPct val="100000"/>
+                        </a:lnSpc>
+                        <a:spcBef>
+                          <a:spcPts val="0"/>
+                        </a:spcBef>
+                        <a:spcAft>
+                          <a:spcPts val="0"/>
+                        </a:spcAft>
+                        <a:buClrTx/>
+                        <a:buSzTx/>
+                        <a:buFontTx/>
+                        <a:buNone/>
+                        <a:tabLst/>
+                        <a:defRPr/>
+                      </a:pPr>
+                      <a:r>
+                        <a:rPr lang="en-US" sz="3000" dirty="0">
+                          <a:solidFill>
+                            <a:srgbClr val="235078"/>
+                          </a:solidFill>
+                          <a:latin typeface="Times New Roman" panose="02020603050405020304" pitchFamily="18" charset="0"/>
+                          <a:cs typeface="Times New Roman" panose="02020603050405020304" pitchFamily="18" charset="0"/>
+                        </a:rPr>
+                        <a:t>How the poll was conducted – Online? Over the phone? With a live operator? A robot caller?</a:t>
+                      </a:r>
+                    </a:p>
+                  </a:txBody>
+                  <a:tcPr>
+                    <a:lnL w="57150" cap="flat" cmpd="sng" algn="ctr">
+                      <a:solidFill>
+                        <a:srgbClr val="235078"/>
+                      </a:solidFill>
+                      <a:prstDash val="solid"/>
+                      <a:round/>
+                      <a:headEnd type="none" w="med" len="med"/>
+                      <a:tailEnd type="none" w="med" len="med"/>
+                    </a:lnL>
+                    <a:lnR w="57150" cap="flat" cmpd="sng" algn="ctr">
+                      <a:solidFill>
+                        <a:srgbClr val="235078"/>
+                      </a:solidFill>
+                      <a:prstDash val="solid"/>
+                      <a:round/>
+                      <a:headEnd type="none" w="med" len="med"/>
+                      <a:tailEnd type="none" w="med" len="med"/>
+                    </a:lnR>
+                    <a:lnT w="57150" cap="flat" cmpd="sng" algn="ctr">
+                      <a:solidFill>
+                        <a:srgbClr val="235078"/>
+                      </a:solidFill>
+                      <a:prstDash val="solid"/>
+                      <a:round/>
+                      <a:headEnd type="none" w="med" len="med"/>
+                      <a:tailEnd type="none" w="med" len="med"/>
+                    </a:lnT>
+                    <a:lnB w="57150" cap="flat" cmpd="sng" algn="ctr">
+                      <a:solidFill>
+                        <a:srgbClr val="235078"/>
+                      </a:solidFill>
+                      <a:prstDash val="solid"/>
+                      <a:round/>
+                      <a:headEnd type="none" w="med" len="med"/>
+                      <a:tailEnd type="none" w="med" len="med"/>
+                    </a:lnB>
+                    <a:solidFill>
+                      <a:srgbClr val="CCECF8"/>
+                    </a:solidFill>
+                  </a:tcPr>
+                </a:tc>
+                <a:extLst>
+                  <a:ext uri="{0D108BD9-81ED-4DB2-BD59-A6C34878D82A}">
+                    <a16:rowId xmlns:a16="http://schemas.microsoft.com/office/drawing/2014/main" val="496424685"/>
+                  </a:ext>
+                </a:extLst>
+              </a:tr>
+              <a:tr h="612472">
+                <a:tc>
+                  <a:txBody>
+                    <a:bodyPr/>
+                    <a:lstStyle/>
+                    <a:p>
+                      <a:pPr marL="0" marR="0" lvl="0" indent="0" algn="l" defTabSz="914400" rtl="0" eaLnBrk="1" fontAlgn="auto" latinLnBrk="0" hangingPunct="1">
+                        <a:lnSpc>
+                          <a:spcPct val="100000"/>
+                        </a:lnSpc>
+                        <a:spcBef>
+                          <a:spcPts val="0"/>
+                        </a:spcBef>
+                        <a:spcAft>
+                          <a:spcPts val="0"/>
+                        </a:spcAft>
+                        <a:buClrTx/>
+                        <a:buSzTx/>
+                        <a:buFontTx/>
+                        <a:buNone/>
+                        <a:tabLst/>
+                        <a:defRPr/>
+                      </a:pPr>
+                      <a:r>
+                        <a:rPr lang="en-US" sz="3000" b="1" kern="1200" dirty="0">
+                          <a:solidFill>
+                            <a:srgbClr val="235078"/>
+                          </a:solidFill>
+                          <a:effectLst/>
+                          <a:latin typeface="Times New Roman" panose="02020603050405020304" pitchFamily="18" charset="0"/>
+                          <a:ea typeface="+mn-ea"/>
+                          <a:cs typeface="Times New Roman" panose="02020603050405020304" pitchFamily="18" charset="0"/>
+                        </a:rPr>
+                        <a:t>Pollster</a:t>
+                      </a:r>
+                      <a:endParaRPr lang="en-US" sz="3000" b="1" dirty="0">
+                        <a:solidFill>
+                          <a:srgbClr val="235078"/>
+                        </a:solidFill>
+                        <a:latin typeface="Times New Roman" panose="02020603050405020304" pitchFamily="18" charset="0"/>
+                        <a:cs typeface="Times New Roman" panose="02020603050405020304" pitchFamily="18" charset="0"/>
+                      </a:endParaRPr>
+                    </a:p>
+                  </a:txBody>
+                  <a:tcPr>
+                    <a:lnL w="57150" cap="flat" cmpd="sng" algn="ctr">
+                      <a:solidFill>
+                        <a:srgbClr val="235078"/>
+                      </a:solidFill>
+                      <a:prstDash val="solid"/>
+                      <a:round/>
+                      <a:headEnd type="none" w="med" len="med"/>
+                      <a:tailEnd type="none" w="med" len="med"/>
+                    </a:lnL>
+                    <a:lnR w="57150" cap="flat" cmpd="sng" algn="ctr">
+                      <a:solidFill>
+                        <a:srgbClr val="235078"/>
+                      </a:solidFill>
+                      <a:prstDash val="solid"/>
+                      <a:round/>
+                      <a:headEnd type="none" w="med" len="med"/>
+                      <a:tailEnd type="none" w="med" len="med"/>
+                    </a:lnR>
+                    <a:lnT w="57150" cap="flat" cmpd="sng" algn="ctr">
+                      <a:solidFill>
+                        <a:srgbClr val="235078"/>
+                      </a:solidFill>
+                      <a:prstDash val="solid"/>
+                      <a:round/>
+                      <a:headEnd type="none" w="med" len="med"/>
+                      <a:tailEnd type="none" w="med" len="med"/>
+                    </a:lnT>
+                    <a:lnB w="57150" cap="flat" cmpd="sng" algn="ctr">
+                      <a:solidFill>
+                        <a:srgbClr val="235078"/>
+                      </a:solidFill>
+                      <a:prstDash val="solid"/>
+                      <a:round/>
+                      <a:headEnd type="none" w="med" len="med"/>
+                      <a:tailEnd type="none" w="med" len="med"/>
+                    </a:lnB>
+                    <a:solidFill>
+                      <a:srgbClr val="CCECF8"/>
+                    </a:solidFill>
+                  </a:tcPr>
+                </a:tc>
+                <a:tc>
+                  <a:txBody>
+                    <a:bodyPr/>
+                    <a:lstStyle/>
+                    <a:p>
+                      <a:pPr marL="0" marR="0" lvl="0" indent="0" algn="l" defTabSz="914400" rtl="0" eaLnBrk="1" fontAlgn="auto" latinLnBrk="0" hangingPunct="1">
+                        <a:lnSpc>
+                          <a:spcPct val="100000"/>
+                        </a:lnSpc>
+                        <a:spcBef>
+                          <a:spcPts val="0"/>
+                        </a:spcBef>
+                        <a:spcAft>
+                          <a:spcPts val="0"/>
+                        </a:spcAft>
+                        <a:buClrTx/>
+                        <a:buSzTx/>
+                        <a:buFontTx/>
+                        <a:buNone/>
+                        <a:tabLst/>
+                        <a:defRPr/>
+                      </a:pPr>
+                      <a:r>
+                        <a:rPr lang="en-US" sz="3000" kern="1200" dirty="0">
+                          <a:solidFill>
+                            <a:srgbClr val="235078"/>
+                          </a:solidFill>
+                          <a:effectLst/>
+                          <a:latin typeface="Times New Roman" panose="02020603050405020304" pitchFamily="18" charset="0"/>
+                          <a:ea typeface="+mn-ea"/>
+                          <a:cs typeface="Times New Roman" panose="02020603050405020304" pitchFamily="18" charset="0"/>
+                        </a:rPr>
+                        <a:t>What company or institution is conducting the poll?</a:t>
+                      </a:r>
+                    </a:p>
+                  </a:txBody>
+                  <a:tcPr>
+                    <a:lnL w="57150" cap="flat" cmpd="sng" algn="ctr">
+                      <a:solidFill>
+                        <a:srgbClr val="235078"/>
+                      </a:solidFill>
+                      <a:prstDash val="solid"/>
+                      <a:round/>
+                      <a:headEnd type="none" w="med" len="med"/>
+                      <a:tailEnd type="none" w="med" len="med"/>
+                    </a:lnL>
+                    <a:lnR w="57150" cap="flat" cmpd="sng" algn="ctr">
+                      <a:solidFill>
+                        <a:srgbClr val="235078"/>
+                      </a:solidFill>
+                      <a:prstDash val="solid"/>
+                      <a:round/>
+                      <a:headEnd type="none" w="med" len="med"/>
+                      <a:tailEnd type="none" w="med" len="med"/>
+                    </a:lnR>
+                    <a:lnT w="57150" cap="flat" cmpd="sng" algn="ctr">
+                      <a:solidFill>
+                        <a:srgbClr val="235078"/>
+                      </a:solidFill>
+                      <a:prstDash val="solid"/>
+                      <a:round/>
+                      <a:headEnd type="none" w="med" len="med"/>
+                      <a:tailEnd type="none" w="med" len="med"/>
+                    </a:lnT>
+                    <a:lnB w="57150" cap="flat" cmpd="sng" algn="ctr">
+                      <a:solidFill>
+                        <a:srgbClr val="235078"/>
+                      </a:solidFill>
+                      <a:prstDash val="solid"/>
+                      <a:round/>
+                      <a:headEnd type="none" w="med" len="med"/>
+                      <a:tailEnd type="none" w="med" len="med"/>
+                    </a:lnB>
+                    <a:solidFill>
+                      <a:srgbClr val="CCECF8"/>
+                    </a:solidFill>
+                  </a:tcPr>
+                </a:tc>
+                <a:extLst>
+                  <a:ext uri="{0D108BD9-81ED-4DB2-BD59-A6C34878D82A}">
+                    <a16:rowId xmlns:a16="http://schemas.microsoft.com/office/drawing/2014/main" val="3861586539"/>
+                  </a:ext>
+                </a:extLst>
+              </a:tr>
+              <a:tr h="1633259">
+                <a:tc>
+                  <a:txBody>
+                    <a:bodyPr/>
+                    <a:lstStyle/>
+                    <a:p>
+                      <a:r>
+                        <a:rPr lang="en-US" sz="3000" b="1" dirty="0">
+                          <a:solidFill>
+                            <a:srgbClr val="235078"/>
+                          </a:solidFill>
+                          <a:latin typeface="Times New Roman" panose="02020603050405020304" pitchFamily="18" charset="0"/>
+                          <a:cs typeface="Times New Roman" panose="02020603050405020304" pitchFamily="18" charset="0"/>
+                        </a:rPr>
+                        <a:t>Transparency</a:t>
+                      </a:r>
+                    </a:p>
+                  </a:txBody>
+                  <a:tcPr>
+                    <a:lnL w="57150" cap="flat" cmpd="sng" algn="ctr">
+                      <a:solidFill>
+                        <a:srgbClr val="235078"/>
+                      </a:solidFill>
+                      <a:prstDash val="solid"/>
+                      <a:round/>
+                      <a:headEnd type="none" w="med" len="med"/>
+                      <a:tailEnd type="none" w="med" len="med"/>
+                    </a:lnL>
+                    <a:lnR w="57150" cap="flat" cmpd="sng" algn="ctr">
+                      <a:solidFill>
+                        <a:srgbClr val="235078"/>
+                      </a:solidFill>
+                      <a:prstDash val="solid"/>
+                      <a:round/>
+                      <a:headEnd type="none" w="med" len="med"/>
+                      <a:tailEnd type="none" w="med" len="med"/>
+                    </a:lnR>
+                    <a:lnT w="57150" cap="flat" cmpd="sng" algn="ctr">
+                      <a:solidFill>
+                        <a:srgbClr val="235078"/>
+                      </a:solidFill>
+                      <a:prstDash val="solid"/>
+                      <a:round/>
+                      <a:headEnd type="none" w="med" len="med"/>
+                      <a:tailEnd type="none" w="med" len="med"/>
+                    </a:lnT>
+                    <a:lnB w="57150" cap="flat" cmpd="sng" algn="ctr">
+                      <a:solidFill>
+                        <a:srgbClr val="235078"/>
+                      </a:solidFill>
+                      <a:prstDash val="solid"/>
+                      <a:round/>
+                      <a:headEnd type="none" w="med" len="med"/>
+                      <a:tailEnd type="none" w="med" len="med"/>
+                    </a:lnB>
+                    <a:solidFill>
+                      <a:srgbClr val="CCECF8"/>
+                    </a:solidFill>
+                  </a:tcPr>
+                </a:tc>
+                <a:tc>
+                  <a:txBody>
+                    <a:bodyPr/>
+                    <a:lstStyle/>
+                    <a:p>
+                      <a:pPr marL="0" marR="0" lvl="0" indent="0" algn="l" defTabSz="914400" rtl="0" eaLnBrk="1" fontAlgn="auto" latinLnBrk="0" hangingPunct="1">
+                        <a:lnSpc>
+                          <a:spcPct val="100000"/>
+                        </a:lnSpc>
+                        <a:spcBef>
+                          <a:spcPts val="0"/>
+                        </a:spcBef>
+                        <a:spcAft>
+                          <a:spcPts val="0"/>
+                        </a:spcAft>
+                        <a:buClrTx/>
+                        <a:buSzTx/>
+                        <a:buFontTx/>
+                        <a:buNone/>
+                        <a:tabLst/>
+                        <a:defRPr/>
+                      </a:pPr>
+                      <a:r>
+                        <a:rPr lang="en-US" sz="3000" kern="1200" dirty="0">
+                          <a:solidFill>
+                            <a:srgbClr val="235078"/>
+                          </a:solidFill>
+                          <a:effectLst/>
+                          <a:latin typeface="Times New Roman" panose="02020603050405020304" pitchFamily="18" charset="0"/>
+                          <a:ea typeface="+mn-ea"/>
+                          <a:cs typeface="Times New Roman" panose="02020603050405020304" pitchFamily="18" charset="0"/>
+                        </a:rPr>
+                        <a:t>A yes/no dummy variable measured by if the pollster participates in the American Association for Public Opinion Research’s Transparency Initiative and/or the Roper Center for Public Opinion Research (two organizations that promote transparency in polling).</a:t>
+                      </a:r>
+                    </a:p>
+                  </a:txBody>
+                  <a:tcPr>
+                    <a:lnL w="57150" cap="flat" cmpd="sng" algn="ctr">
+                      <a:solidFill>
+                        <a:srgbClr val="235078"/>
+                      </a:solidFill>
+                      <a:prstDash val="solid"/>
+                      <a:round/>
+                      <a:headEnd type="none" w="med" len="med"/>
+                      <a:tailEnd type="none" w="med" len="med"/>
+                    </a:lnL>
+                    <a:lnR w="57150" cap="flat" cmpd="sng" algn="ctr">
+                      <a:solidFill>
+                        <a:srgbClr val="235078"/>
+                      </a:solidFill>
+                      <a:prstDash val="solid"/>
+                      <a:round/>
+                      <a:headEnd type="none" w="med" len="med"/>
+                      <a:tailEnd type="none" w="med" len="med"/>
+                    </a:lnR>
+                    <a:lnT w="57150" cap="flat" cmpd="sng" algn="ctr">
+                      <a:solidFill>
+                        <a:srgbClr val="235078"/>
+                      </a:solidFill>
+                      <a:prstDash val="solid"/>
+                      <a:round/>
+                      <a:headEnd type="none" w="med" len="med"/>
+                      <a:tailEnd type="none" w="med" len="med"/>
+                    </a:lnT>
+                    <a:lnB w="57150" cap="flat" cmpd="sng" algn="ctr">
+                      <a:solidFill>
+                        <a:srgbClr val="235078"/>
+                      </a:solidFill>
+                      <a:prstDash val="solid"/>
+                      <a:round/>
+                      <a:headEnd type="none" w="med" len="med"/>
+                      <a:tailEnd type="none" w="med" len="med"/>
+                    </a:lnB>
+                    <a:solidFill>
+                      <a:srgbClr val="CCECF8"/>
+                    </a:solidFill>
+                  </a:tcPr>
+                </a:tc>
+                <a:extLst>
+                  <a:ext uri="{0D108BD9-81ED-4DB2-BD59-A6C34878D82A}">
+                    <a16:rowId xmlns:a16="http://schemas.microsoft.com/office/drawing/2014/main" val="3835899938"/>
+                  </a:ext>
+                </a:extLst>
+              </a:tr>
+              <a:tr h="612472">
+                <a:tc>
+                  <a:txBody>
+                    <a:bodyPr/>
+                    <a:lstStyle/>
+                    <a:p>
+                      <a:r>
+                        <a:rPr lang="en-US" sz="3000" b="1" dirty="0">
+                          <a:solidFill>
+                            <a:srgbClr val="235078"/>
+                          </a:solidFill>
+                          <a:latin typeface="Times New Roman" panose="02020603050405020304" pitchFamily="18" charset="0"/>
+                          <a:cs typeface="Times New Roman" panose="02020603050405020304" pitchFamily="18" charset="0"/>
+                        </a:rPr>
+                        <a:t>Sample Size</a:t>
+                      </a:r>
+                    </a:p>
+                  </a:txBody>
+                  <a:tcPr>
+                    <a:lnL w="57150" cap="flat" cmpd="sng" algn="ctr">
+                      <a:solidFill>
+                        <a:srgbClr val="235078"/>
+                      </a:solidFill>
+                      <a:prstDash val="solid"/>
+                      <a:round/>
+                      <a:headEnd type="none" w="med" len="med"/>
+                      <a:tailEnd type="none" w="med" len="med"/>
+                    </a:lnL>
+                    <a:lnR w="57150" cap="flat" cmpd="sng" algn="ctr">
+                      <a:solidFill>
+                        <a:srgbClr val="235078"/>
+                      </a:solidFill>
+                      <a:prstDash val="solid"/>
+                      <a:round/>
+                      <a:headEnd type="none" w="med" len="med"/>
+                      <a:tailEnd type="none" w="med" len="med"/>
+                    </a:lnR>
+                    <a:lnT w="57150" cap="flat" cmpd="sng" algn="ctr">
+                      <a:solidFill>
+                        <a:srgbClr val="235078"/>
+                      </a:solidFill>
+                      <a:prstDash val="solid"/>
+                      <a:round/>
+                      <a:headEnd type="none" w="med" len="med"/>
+                      <a:tailEnd type="none" w="med" len="med"/>
+                    </a:lnT>
+                    <a:lnB w="57150" cap="flat" cmpd="sng" algn="ctr">
+                      <a:solidFill>
+                        <a:srgbClr val="235078"/>
+                      </a:solidFill>
+                      <a:prstDash val="solid"/>
+                      <a:round/>
+                      <a:headEnd type="none" w="med" len="med"/>
+                      <a:tailEnd type="none" w="med" len="med"/>
+                    </a:lnB>
+                    <a:solidFill>
+                      <a:srgbClr val="CCECF8"/>
+                    </a:solidFill>
+                  </a:tcPr>
+                </a:tc>
+                <a:tc>
+                  <a:txBody>
+                    <a:bodyPr/>
+                    <a:lstStyle/>
+                    <a:p>
+                      <a:pPr marL="0" marR="0" lvl="0" indent="0" algn="l" defTabSz="914400" rtl="0" eaLnBrk="1" fontAlgn="auto" latinLnBrk="0" hangingPunct="1">
+                        <a:lnSpc>
+                          <a:spcPct val="100000"/>
+                        </a:lnSpc>
+                        <a:spcBef>
+                          <a:spcPts val="0"/>
+                        </a:spcBef>
+                        <a:spcAft>
+                          <a:spcPts val="0"/>
+                        </a:spcAft>
+                        <a:buClrTx/>
+                        <a:buSzTx/>
+                        <a:buFontTx/>
+                        <a:buNone/>
+                        <a:tabLst/>
+                        <a:defRPr/>
+                      </a:pPr>
+                      <a:r>
+                        <a:rPr lang="en-US" sz="3000" kern="1200" dirty="0">
+                          <a:solidFill>
+                            <a:srgbClr val="235078"/>
+                          </a:solidFill>
+                          <a:effectLst/>
+                          <a:latin typeface="Times New Roman" panose="02020603050405020304" pitchFamily="18" charset="0"/>
+                          <a:ea typeface="+mn-ea"/>
+                          <a:cs typeface="Times New Roman" panose="02020603050405020304" pitchFamily="18" charset="0"/>
+                        </a:rPr>
+                        <a:t>How many respondents to the poll?</a:t>
+                      </a:r>
+                    </a:p>
+                  </a:txBody>
+                  <a:tcPr>
+                    <a:lnL w="57150" cap="flat" cmpd="sng" algn="ctr">
+                      <a:solidFill>
+                        <a:srgbClr val="235078"/>
+                      </a:solidFill>
+                      <a:prstDash val="solid"/>
+                      <a:round/>
+                      <a:headEnd type="none" w="med" len="med"/>
+                      <a:tailEnd type="none" w="med" len="med"/>
+                    </a:lnL>
+                    <a:lnR w="57150" cap="flat" cmpd="sng" algn="ctr">
+                      <a:solidFill>
+                        <a:srgbClr val="235078"/>
+                      </a:solidFill>
+                      <a:prstDash val="solid"/>
+                      <a:round/>
+                      <a:headEnd type="none" w="med" len="med"/>
+                      <a:tailEnd type="none" w="med" len="med"/>
+                    </a:lnR>
+                    <a:lnT w="57150" cap="flat" cmpd="sng" algn="ctr">
+                      <a:solidFill>
+                        <a:srgbClr val="235078"/>
+                      </a:solidFill>
+                      <a:prstDash val="solid"/>
+                      <a:round/>
+                      <a:headEnd type="none" w="med" len="med"/>
+                      <a:tailEnd type="none" w="med" len="med"/>
+                    </a:lnT>
+                    <a:lnB w="57150" cap="flat" cmpd="sng" algn="ctr">
+                      <a:solidFill>
+                        <a:srgbClr val="235078"/>
+                      </a:solidFill>
+                      <a:prstDash val="solid"/>
+                      <a:round/>
+                      <a:headEnd type="none" w="med" len="med"/>
+                      <a:tailEnd type="none" w="med" len="med"/>
+                    </a:lnB>
+                    <a:solidFill>
+                      <a:srgbClr val="CCECF8"/>
+                    </a:solidFill>
+                  </a:tcPr>
+                </a:tc>
+                <a:extLst>
+                  <a:ext uri="{0D108BD9-81ED-4DB2-BD59-A6C34878D82A}">
+                    <a16:rowId xmlns:a16="http://schemas.microsoft.com/office/drawing/2014/main" val="2404492232"/>
+                  </a:ext>
+                </a:extLst>
+              </a:tr>
+              <a:tr h="1633259">
+                <a:tc>
+                  <a:txBody>
+                    <a:bodyPr/>
+                    <a:lstStyle/>
+                    <a:p>
+                      <a:pPr marL="0" marR="0" lvl="0" indent="0" algn="l" defTabSz="914400" rtl="0" eaLnBrk="1" fontAlgn="auto" latinLnBrk="0" hangingPunct="1">
+                        <a:lnSpc>
+                          <a:spcPct val="100000"/>
+                        </a:lnSpc>
+                        <a:spcBef>
+                          <a:spcPts val="0"/>
+                        </a:spcBef>
+                        <a:spcAft>
+                          <a:spcPts val="0"/>
+                        </a:spcAft>
+                        <a:buClrTx/>
+                        <a:buSzTx/>
+                        <a:buFontTx/>
+                        <a:buNone/>
+                        <a:tabLst/>
+                        <a:defRPr/>
+                      </a:pPr>
+                      <a:r>
+                        <a:rPr lang="en-US" sz="3000" b="1" kern="1200" dirty="0">
+                          <a:solidFill>
+                            <a:srgbClr val="235078"/>
+                          </a:solidFill>
+                          <a:effectLst/>
+                          <a:latin typeface="Times New Roman" panose="02020603050405020304" pitchFamily="18" charset="0"/>
+                          <a:ea typeface="+mn-ea"/>
+                          <a:cs typeface="Times New Roman" panose="02020603050405020304" pitchFamily="18" charset="0"/>
+                        </a:rPr>
+                        <a:t>Likely Voter versus Registered Voter Model</a:t>
+                      </a:r>
+                    </a:p>
+                    <a:p>
+                      <a:endParaRPr lang="en-US" sz="3000" b="1" dirty="0">
+                        <a:solidFill>
+                          <a:srgbClr val="235078"/>
+                        </a:solidFill>
+                        <a:latin typeface="Times New Roman" panose="02020603050405020304" pitchFamily="18" charset="0"/>
+                        <a:cs typeface="Times New Roman" panose="02020603050405020304" pitchFamily="18" charset="0"/>
+                      </a:endParaRPr>
+                    </a:p>
+                  </a:txBody>
+                  <a:tcPr>
+                    <a:lnL w="57150" cap="flat" cmpd="sng" algn="ctr">
+                      <a:solidFill>
+                        <a:srgbClr val="235078"/>
+                      </a:solidFill>
+                      <a:prstDash val="solid"/>
+                      <a:round/>
+                      <a:headEnd type="none" w="med" len="med"/>
+                      <a:tailEnd type="none" w="med" len="med"/>
+                    </a:lnL>
+                    <a:lnR w="57150" cap="flat" cmpd="sng" algn="ctr">
+                      <a:solidFill>
+                        <a:srgbClr val="235078"/>
+                      </a:solidFill>
+                      <a:prstDash val="solid"/>
+                      <a:round/>
+                      <a:headEnd type="none" w="med" len="med"/>
+                      <a:tailEnd type="none" w="med" len="med"/>
+                    </a:lnR>
+                    <a:lnT w="57150" cap="flat" cmpd="sng" algn="ctr">
+                      <a:solidFill>
+                        <a:srgbClr val="235078"/>
+                      </a:solidFill>
+                      <a:prstDash val="solid"/>
+                      <a:round/>
+                      <a:headEnd type="none" w="med" len="med"/>
+                      <a:tailEnd type="none" w="med" len="med"/>
+                    </a:lnT>
+                    <a:lnB w="57150" cap="flat" cmpd="sng" algn="ctr">
+                      <a:solidFill>
+                        <a:srgbClr val="235078"/>
+                      </a:solidFill>
+                      <a:prstDash val="solid"/>
+                      <a:round/>
+                      <a:headEnd type="none" w="med" len="med"/>
+                      <a:tailEnd type="none" w="med" len="med"/>
+                    </a:lnB>
+                    <a:solidFill>
+                      <a:srgbClr val="CCECF8"/>
+                    </a:solidFill>
+                  </a:tcPr>
+                </a:tc>
+                <a:tc>
+                  <a:txBody>
+                    <a:bodyPr/>
+                    <a:lstStyle/>
+                    <a:p>
+                      <a:r>
+                        <a:rPr lang="en-US" sz="3000" dirty="0">
+                          <a:solidFill>
+                            <a:srgbClr val="235078"/>
+                          </a:solidFill>
+                          <a:latin typeface="Times New Roman" panose="02020603050405020304" pitchFamily="18" charset="0"/>
+                          <a:cs typeface="Times New Roman" panose="02020603050405020304" pitchFamily="18" charset="0"/>
+                        </a:rPr>
+                        <a:t>Pollsters try to subset registered voters into classifications of “likely voters”, these adjustments, or lack thereof, can effect the accuracy and bias of the model.</a:t>
+                      </a:r>
+                    </a:p>
+                  </a:txBody>
+                  <a:tcPr>
+                    <a:lnL w="57150" cap="flat" cmpd="sng" algn="ctr">
+                      <a:solidFill>
+                        <a:srgbClr val="235078"/>
+                      </a:solidFill>
+                      <a:prstDash val="solid"/>
+                      <a:round/>
+                      <a:headEnd type="none" w="med" len="med"/>
+                      <a:tailEnd type="none" w="med" len="med"/>
+                    </a:lnL>
+                    <a:lnR w="57150" cap="flat" cmpd="sng" algn="ctr">
+                      <a:solidFill>
+                        <a:srgbClr val="235078"/>
+                      </a:solidFill>
+                      <a:prstDash val="solid"/>
+                      <a:round/>
+                      <a:headEnd type="none" w="med" len="med"/>
+                      <a:tailEnd type="none" w="med" len="med"/>
+                    </a:lnR>
+                    <a:lnT w="57150" cap="flat" cmpd="sng" algn="ctr">
+                      <a:solidFill>
+                        <a:srgbClr val="235078"/>
+                      </a:solidFill>
+                      <a:prstDash val="solid"/>
+                      <a:round/>
+                      <a:headEnd type="none" w="med" len="med"/>
+                      <a:tailEnd type="none" w="med" len="med"/>
+                    </a:lnT>
+                    <a:lnB w="57150" cap="flat" cmpd="sng" algn="ctr">
+                      <a:solidFill>
+                        <a:srgbClr val="235078"/>
+                      </a:solidFill>
+                      <a:prstDash val="solid"/>
+                      <a:round/>
+                      <a:headEnd type="none" w="med" len="med"/>
+                      <a:tailEnd type="none" w="med" len="med"/>
+                    </a:lnB>
+                    <a:solidFill>
+                      <a:srgbClr val="CCECF8"/>
+                    </a:solidFill>
+                  </a:tcPr>
+                </a:tc>
+                <a:extLst>
+                  <a:ext uri="{0D108BD9-81ED-4DB2-BD59-A6C34878D82A}">
+                    <a16:rowId xmlns:a16="http://schemas.microsoft.com/office/drawing/2014/main" val="3048116116"/>
+                  </a:ext>
+                </a:extLst>
+              </a:tr>
+            </a:tbl>
+          </a:graphicData>
+        </a:graphic>
+      </p:graphicFrame>
+      <p:pic>
+        <p:nvPicPr>
+          <p:cNvPr id="44" name="Picture 43">
+            <a:extLst>
+              <a:ext uri="{FF2B5EF4-FFF2-40B4-BE49-F238E27FC236}">
+                <a16:creationId xmlns:a16="http://schemas.microsoft.com/office/drawing/2014/main" id="{5817C28D-7FEA-CA47-BEB2-1B7E2C24D470}"/>
+              </a:ext>
+            </a:extLst>
+          </p:cNvPr>
+          <p:cNvPicPr>
+            <a:picLocks noChangeAspect="1"/>
+          </p:cNvPicPr>
+          <p:nvPr/>
+        </p:nvPicPr>
+        <p:blipFill rotWithShape="1">
+          <a:blip r:embed="rId10">
+            <a:extLst>
+              <a:ext uri="{28A0092B-C50C-407E-A947-70E740481C1C}">
+                <a14:useLocalDpi xmlns:a14="http://schemas.microsoft.com/office/drawing/2010/main" val="0"/>
+              </a:ext>
+            </a:extLst>
+          </a:blip>
+          <a:srcRect t="6719" b="85616"/>
+          <a:stretch/>
+        </p:blipFill>
+        <p:spPr>
+          <a:xfrm>
+            <a:off x="37642800" y="18795443"/>
+            <a:ext cx="6047727" cy="463522"/>
           </a:xfrm>
           <a:prstGeom prst="rect">
             <a:avLst/>
